--- a/C5T1- CreditOne Data Science.pptx
+++ b/C5T1- CreditOne Data Science.pptx
@@ -15,18 +15,21 @@
     <p:sldId id="260" r:id="rId10"/>
     <p:sldId id="261" r:id="rId11"/>
     <p:sldId id="262" r:id="rId12"/>
+    <p:sldId id="263" r:id="rId13"/>
+    <p:sldId id="264" r:id="rId14"/>
+    <p:sldId id="265" r:id="rId15"/>
   </p:sldIdLst>
   <p:sldSz cy="5143500" cx="9144000"/>
   <p:notesSz cx="6858000" cy="9144000"/>
   <p:embeddedFontLst>
     <p:embeddedFont>
       <p:font typeface="Average"/>
-      <p:regular r:id="rId13"/>
+      <p:regular r:id="rId16"/>
     </p:embeddedFont>
     <p:embeddedFont>
       <p:font typeface="Oswald"/>
-      <p:regular r:id="rId14"/>
-      <p:bold r:id="rId15"/>
+      <p:regular r:id="rId17"/>
+      <p:bold r:id="rId18"/>
     </p:embeddedFont>
   </p:embeddedFontLst>
   <p:defaultTextStyle>
@@ -800,6 +803,105 @@
 </p:notes>
 </file>
 
+<file path=ppt/notesSlides/notesSlide10.xml><?xml version="1.0" encoding="utf-8"?>
+<p:notes xmlns:a="http://schemas.openxmlformats.org/drawingml/2006/main" xmlns:r="http://schemas.openxmlformats.org/officeDocument/2006/relationships" xmlns:mc="http://schemas.openxmlformats.org/markup-compatibility/2006" xmlns:mv="urn:schemas-microsoft-com:mac:vml" xmlns:p="http://schemas.openxmlformats.org/presentationml/2006/main" xmlns:c="http://schemas.openxmlformats.org/drawingml/2006/chart" xmlns:dgm="http://schemas.openxmlformats.org/drawingml/2006/diagram" xmlns:o="urn:schemas-microsoft-com:office:office" xmlns:v="urn:schemas-microsoft-com:vml" xmlns:pvml="urn:schemas-microsoft-com:office:powerpoint" xmlns:com="http://schemas.openxmlformats.org/drawingml/2006/compatibility" xmlns:p14="http://schemas.microsoft.com/office/powerpoint/2010/main" xmlns:p15="http://schemas.microsoft.com/office/powerpoint/2012/main" showMasterPhAnim="0" showMasterSp="0">
+  <p:cSld>
+    <p:spTree>
+      <p:nvGrpSpPr>
+        <p:cNvPr id="137" name="Shape 137"/>
+        <p:cNvGrpSpPr/>
+        <p:nvPr/>
+      </p:nvGrpSpPr>
+      <p:grpSpPr>
+        <a:xfrm>
+          <a:off x="0" y="0"/>
+          <a:ext cx="0" cy="0"/>
+          <a:chOff x="0" y="0"/>
+          <a:chExt cx="0" cy="0"/>
+        </a:xfrm>
+      </p:grpSpPr>
+      <p:sp>
+        <p:nvSpPr>
+          <p:cNvPr id="138" name="Google Shape;138;gc6f980f91_0_48:notes"/>
+          <p:cNvSpPr/>
+          <p:nvPr>
+            <p:ph idx="2" type="sldImg"/>
+          </p:nvPr>
+        </p:nvSpPr>
+        <p:spPr>
+          <a:xfrm>
+            <a:off x="381188" y="685800"/>
+            <a:ext cx="6096300" cy="3429000"/>
+          </a:xfrm>
+          <a:custGeom>
+            <a:rect b="b" l="l" r="r" t="t"/>
+            <a:pathLst>
+              <a:path extrusionOk="0" h="120000" w="120000">
+                <a:moveTo>
+                  <a:pt x="0" y="0"/>
+                </a:moveTo>
+                <a:lnTo>
+                  <a:pt x="120000" y="0"/>
+                </a:lnTo>
+                <a:lnTo>
+                  <a:pt x="120000" y="120000"/>
+                </a:lnTo>
+                <a:lnTo>
+                  <a:pt x="0" y="120000"/>
+                </a:lnTo>
+                <a:close/>
+              </a:path>
+            </a:pathLst>
+          </a:custGeom>
+        </p:spPr>
+      </p:sp>
+      <p:sp>
+        <p:nvSpPr>
+          <p:cNvPr id="139" name="Google Shape;139;gc6f980f91_0_48:notes"/>
+          <p:cNvSpPr txBox="1"/>
+          <p:nvPr>
+            <p:ph idx="1" type="body"/>
+          </p:nvPr>
+        </p:nvSpPr>
+        <p:spPr>
+          <a:xfrm>
+            <a:off x="685800" y="4343400"/>
+            <a:ext cx="5486400" cy="4114800"/>
+          </a:xfrm>
+          <a:prstGeom prst="rect">
+            <a:avLst/>
+          </a:prstGeom>
+        </p:spPr>
+        <p:txBody>
+          <a:bodyPr anchorCtr="0" anchor="t" bIns="91425" lIns="91425" spcFirstLastPara="1" rIns="91425" wrap="square" tIns="91425">
+            <a:noAutofit/>
+          </a:bodyPr>
+          <a:lstStyle/>
+          <a:p>
+            <a:pPr indent="0" lvl="0" marL="0" rtl="0" algn="l">
+              <a:spcBef>
+                <a:spcPts val="0"/>
+              </a:spcBef>
+              <a:spcAft>
+                <a:spcPts val="0"/>
+              </a:spcAft>
+              <a:buNone/>
+            </a:pPr>
+            <a:r>
+              <a:t/>
+            </a:r>
+            <a:endParaRPr/>
+          </a:p>
+        </p:txBody>
+      </p:sp>
+    </p:spTree>
+  </p:cSld>
+  <p:clrMapOvr>
+    <a:masterClrMapping/>
+  </p:clrMapOvr>
+</p:notes>
+</file>
+
 <file path=ppt/notesSlides/notesSlide2.xml><?xml version="1.0" encoding="utf-8"?>
 <p:notes xmlns:a="http://schemas.openxmlformats.org/drawingml/2006/main" xmlns:r="http://schemas.openxmlformats.org/officeDocument/2006/relationships" xmlns:mc="http://schemas.openxmlformats.org/markup-compatibility/2006" xmlns:mv="urn:schemas-microsoft-com:mac:vml" xmlns:p="http://schemas.openxmlformats.org/presentationml/2006/main" xmlns:c="http://schemas.openxmlformats.org/drawingml/2006/chart" xmlns:dgm="http://schemas.openxmlformats.org/drawingml/2006/diagram" xmlns:o="urn:schemas-microsoft-com:office:office" xmlns:v="urn:schemas-microsoft-com:vml" xmlns:pvml="urn:schemas-microsoft-com:office:powerpoint" xmlns:com="http://schemas.openxmlformats.org/drawingml/2006/compatibility" xmlns:p14="http://schemas.microsoft.com/office/powerpoint/2010/main" xmlns:p15="http://schemas.microsoft.com/office/powerpoint/2012/main" showMasterPhAnim="0" showMasterSp="0">
   <p:cSld>
@@ -1215,7 +1317,7 @@
       </p:grpSpPr>
       <p:sp>
         <p:nvSpPr>
-          <p:cNvPr id="99" name="Google Shape;99;gc6f980f91_0_42:notes"/>
+          <p:cNvPr id="99" name="Google Shape;99;g582e0bfc37_0_0:notes"/>
           <p:cNvSpPr/>
           <p:nvPr>
             <p:ph idx="2" type="sldImg"/>
@@ -1250,7 +1352,7 @@
       </p:sp>
       <p:sp>
         <p:nvSpPr>
-          <p:cNvPr id="100" name="Google Shape;100;gc6f980f91_0_42:notes"/>
+          <p:cNvPr id="100" name="Google Shape;100;g582e0bfc37_0_0:notes"/>
           <p:cNvSpPr txBox="1"/>
           <p:nvPr>
             <p:ph idx="1" type="body"/>
@@ -1314,7 +1416,7 @@
       </p:grpSpPr>
       <p:sp>
         <p:nvSpPr>
-          <p:cNvPr id="107" name="Google Shape;107;gc6f980f91_0_48:notes"/>
+          <p:cNvPr id="107" name="Google Shape;107;g582e0bfc37_0_64:notes"/>
           <p:cNvSpPr/>
           <p:nvPr>
             <p:ph idx="2" type="sldImg"/>
@@ -1349,7 +1451,205 @@
       </p:sp>
       <p:sp>
         <p:nvSpPr>
-          <p:cNvPr id="108" name="Google Shape;108;gc6f980f91_0_48:notes"/>
+          <p:cNvPr id="108" name="Google Shape;108;g582e0bfc37_0_64:notes"/>
+          <p:cNvSpPr txBox="1"/>
+          <p:nvPr>
+            <p:ph idx="1" type="body"/>
+          </p:nvPr>
+        </p:nvSpPr>
+        <p:spPr>
+          <a:xfrm>
+            <a:off x="685800" y="4343400"/>
+            <a:ext cx="5486400" cy="4114800"/>
+          </a:xfrm>
+          <a:prstGeom prst="rect">
+            <a:avLst/>
+          </a:prstGeom>
+        </p:spPr>
+        <p:txBody>
+          <a:bodyPr anchorCtr="0" anchor="t" bIns="91425" lIns="91425" spcFirstLastPara="1" rIns="91425" wrap="square" tIns="91425">
+            <a:noAutofit/>
+          </a:bodyPr>
+          <a:lstStyle/>
+          <a:p>
+            <a:pPr indent="0" lvl="0" marL="0" rtl="0" algn="l">
+              <a:spcBef>
+                <a:spcPts val="0"/>
+              </a:spcBef>
+              <a:spcAft>
+                <a:spcPts val="0"/>
+              </a:spcAft>
+              <a:buNone/>
+            </a:pPr>
+            <a:r>
+              <a:t/>
+            </a:r>
+            <a:endParaRPr/>
+          </a:p>
+        </p:txBody>
+      </p:sp>
+    </p:spTree>
+  </p:cSld>
+  <p:clrMapOvr>
+    <a:masterClrMapping/>
+  </p:clrMapOvr>
+</p:notes>
+</file>
+
+<file path=ppt/notesSlides/notesSlide8.xml><?xml version="1.0" encoding="utf-8"?>
+<p:notes xmlns:a="http://schemas.openxmlformats.org/drawingml/2006/main" xmlns:r="http://schemas.openxmlformats.org/officeDocument/2006/relationships" xmlns:mc="http://schemas.openxmlformats.org/markup-compatibility/2006" xmlns:mv="urn:schemas-microsoft-com:mac:vml" xmlns:p="http://schemas.openxmlformats.org/presentationml/2006/main" xmlns:c="http://schemas.openxmlformats.org/drawingml/2006/chart" xmlns:dgm="http://schemas.openxmlformats.org/drawingml/2006/diagram" xmlns:o="urn:schemas-microsoft-com:office:office" xmlns:v="urn:schemas-microsoft-com:vml" xmlns:pvml="urn:schemas-microsoft-com:office:powerpoint" xmlns:com="http://schemas.openxmlformats.org/drawingml/2006/compatibility" xmlns:p14="http://schemas.microsoft.com/office/powerpoint/2010/main" xmlns:p15="http://schemas.microsoft.com/office/powerpoint/2012/main" showMasterPhAnim="0" showMasterSp="0">
+  <p:cSld>
+    <p:spTree>
+      <p:nvGrpSpPr>
+        <p:cNvPr id="115" name="Shape 115"/>
+        <p:cNvGrpSpPr/>
+        <p:nvPr/>
+      </p:nvGrpSpPr>
+      <p:grpSpPr>
+        <a:xfrm>
+          <a:off x="0" y="0"/>
+          <a:ext cx="0" cy="0"/>
+          <a:chOff x="0" y="0"/>
+          <a:chExt cx="0" cy="0"/>
+        </a:xfrm>
+      </p:grpSpPr>
+      <p:sp>
+        <p:nvSpPr>
+          <p:cNvPr id="116" name="Google Shape;116;g582e0bfc37_0_75:notes"/>
+          <p:cNvSpPr/>
+          <p:nvPr>
+            <p:ph idx="2" type="sldImg"/>
+          </p:nvPr>
+        </p:nvSpPr>
+        <p:spPr>
+          <a:xfrm>
+            <a:off x="381188" y="685800"/>
+            <a:ext cx="6096300" cy="3429000"/>
+          </a:xfrm>
+          <a:custGeom>
+            <a:rect b="b" l="l" r="r" t="t"/>
+            <a:pathLst>
+              <a:path extrusionOk="0" h="120000" w="120000">
+                <a:moveTo>
+                  <a:pt x="0" y="0"/>
+                </a:moveTo>
+                <a:lnTo>
+                  <a:pt x="120000" y="0"/>
+                </a:lnTo>
+                <a:lnTo>
+                  <a:pt x="120000" y="120000"/>
+                </a:lnTo>
+                <a:lnTo>
+                  <a:pt x="0" y="120000"/>
+                </a:lnTo>
+                <a:close/>
+              </a:path>
+            </a:pathLst>
+          </a:custGeom>
+        </p:spPr>
+      </p:sp>
+      <p:sp>
+        <p:nvSpPr>
+          <p:cNvPr id="117" name="Google Shape;117;g582e0bfc37_0_75:notes"/>
+          <p:cNvSpPr txBox="1"/>
+          <p:nvPr>
+            <p:ph idx="1" type="body"/>
+          </p:nvPr>
+        </p:nvSpPr>
+        <p:spPr>
+          <a:xfrm>
+            <a:off x="685800" y="4343400"/>
+            <a:ext cx="5486400" cy="4114800"/>
+          </a:xfrm>
+          <a:prstGeom prst="rect">
+            <a:avLst/>
+          </a:prstGeom>
+        </p:spPr>
+        <p:txBody>
+          <a:bodyPr anchorCtr="0" anchor="t" bIns="91425" lIns="91425" spcFirstLastPara="1" rIns="91425" wrap="square" tIns="91425">
+            <a:noAutofit/>
+          </a:bodyPr>
+          <a:lstStyle/>
+          <a:p>
+            <a:pPr indent="0" lvl="0" marL="0" rtl="0" algn="l">
+              <a:spcBef>
+                <a:spcPts val="0"/>
+              </a:spcBef>
+              <a:spcAft>
+                <a:spcPts val="0"/>
+              </a:spcAft>
+              <a:buNone/>
+            </a:pPr>
+            <a:r>
+              <a:t/>
+            </a:r>
+            <a:endParaRPr/>
+          </a:p>
+        </p:txBody>
+      </p:sp>
+    </p:spTree>
+  </p:cSld>
+  <p:clrMapOvr>
+    <a:masterClrMapping/>
+  </p:clrMapOvr>
+</p:notes>
+</file>
+
+<file path=ppt/notesSlides/notesSlide9.xml><?xml version="1.0" encoding="utf-8"?>
+<p:notes xmlns:a="http://schemas.openxmlformats.org/drawingml/2006/main" xmlns:r="http://schemas.openxmlformats.org/officeDocument/2006/relationships" xmlns:mc="http://schemas.openxmlformats.org/markup-compatibility/2006" xmlns:mv="urn:schemas-microsoft-com:mac:vml" xmlns:p="http://schemas.openxmlformats.org/presentationml/2006/main" xmlns:c="http://schemas.openxmlformats.org/drawingml/2006/chart" xmlns:dgm="http://schemas.openxmlformats.org/drawingml/2006/diagram" xmlns:o="urn:schemas-microsoft-com:office:office" xmlns:v="urn:schemas-microsoft-com:vml" xmlns:pvml="urn:schemas-microsoft-com:office:powerpoint" xmlns:com="http://schemas.openxmlformats.org/drawingml/2006/compatibility" xmlns:p14="http://schemas.microsoft.com/office/powerpoint/2010/main" xmlns:p15="http://schemas.microsoft.com/office/powerpoint/2012/main" showMasterPhAnim="0" showMasterSp="0">
+  <p:cSld>
+    <p:spTree>
+      <p:nvGrpSpPr>
+        <p:cNvPr id="121" name="Shape 121"/>
+        <p:cNvGrpSpPr/>
+        <p:nvPr/>
+      </p:nvGrpSpPr>
+      <p:grpSpPr>
+        <a:xfrm>
+          <a:off x="0" y="0"/>
+          <a:ext cx="0" cy="0"/>
+          <a:chOff x="0" y="0"/>
+          <a:chExt cx="0" cy="0"/>
+        </a:xfrm>
+      </p:grpSpPr>
+      <p:sp>
+        <p:nvSpPr>
+          <p:cNvPr id="122" name="Google Shape;122;gc6f980f91_0_42:notes"/>
+          <p:cNvSpPr/>
+          <p:nvPr>
+            <p:ph idx="2" type="sldImg"/>
+          </p:nvPr>
+        </p:nvSpPr>
+        <p:spPr>
+          <a:xfrm>
+            <a:off x="381188" y="685800"/>
+            <a:ext cx="6096300" cy="3429000"/>
+          </a:xfrm>
+          <a:custGeom>
+            <a:rect b="b" l="l" r="r" t="t"/>
+            <a:pathLst>
+              <a:path extrusionOk="0" h="120000" w="120000">
+                <a:moveTo>
+                  <a:pt x="0" y="0"/>
+                </a:moveTo>
+                <a:lnTo>
+                  <a:pt x="120000" y="0"/>
+                </a:lnTo>
+                <a:lnTo>
+                  <a:pt x="120000" y="120000"/>
+                </a:lnTo>
+                <a:lnTo>
+                  <a:pt x="0" y="120000"/>
+                </a:lnTo>
+                <a:close/>
+              </a:path>
+            </a:pathLst>
+          </a:custGeom>
+        </p:spPr>
+      </p:sp>
+      <p:sp>
+        <p:nvSpPr>
+          <p:cNvPr id="123" name="Google Shape;123;gc6f980f91_0_42:notes"/>
           <p:cNvSpPr txBox="1"/>
           <p:nvPr>
             <p:ph idx="1" type="body"/>
@@ -6700,6 +7000,217 @@
 </p:sld>
 </file>
 
+<file path=ppt/slides/slide10.xml><?xml version="1.0" encoding="utf-8"?>
+<p:sld xmlns:a="http://schemas.openxmlformats.org/drawingml/2006/main" xmlns:r="http://schemas.openxmlformats.org/officeDocument/2006/relationships" xmlns:mc="http://schemas.openxmlformats.org/markup-compatibility/2006" xmlns:mv="urn:schemas-microsoft-com:mac:vml" xmlns:p="http://schemas.openxmlformats.org/presentationml/2006/main" xmlns:c="http://schemas.openxmlformats.org/drawingml/2006/chart" xmlns:dgm="http://schemas.openxmlformats.org/drawingml/2006/diagram" xmlns:o="urn:schemas-microsoft-com:office:office" xmlns:v="urn:schemas-microsoft-com:vml" xmlns:pvml="urn:schemas-microsoft-com:office:powerpoint" xmlns:com="http://schemas.openxmlformats.org/drawingml/2006/compatibility" xmlns:p14="http://schemas.microsoft.com/office/powerpoint/2010/main" xmlns:p15="http://schemas.microsoft.com/office/powerpoint/2012/main">
+  <p:cSld>
+    <p:spTree>
+      <p:nvGrpSpPr>
+        <p:cNvPr id="140" name="Shape 140"/>
+        <p:cNvGrpSpPr/>
+        <p:nvPr/>
+      </p:nvGrpSpPr>
+      <p:grpSpPr>
+        <a:xfrm>
+          <a:off x="0" y="0"/>
+          <a:ext cx="0" cy="0"/>
+          <a:chOff x="0" y="0"/>
+          <a:chExt cx="0" cy="0"/>
+        </a:xfrm>
+      </p:grpSpPr>
+      <p:sp>
+        <p:nvSpPr>
+          <p:cNvPr id="141" name="Google Shape;141;p22"/>
+          <p:cNvSpPr txBox="1"/>
+          <p:nvPr>
+            <p:ph idx="4294967295" type="body"/>
+          </p:nvPr>
+        </p:nvSpPr>
+        <p:spPr>
+          <a:xfrm>
+            <a:off x="311700" y="199050"/>
+            <a:ext cx="7857300" cy="4369800"/>
+          </a:xfrm>
+          <a:prstGeom prst="rect">
+            <a:avLst/>
+          </a:prstGeom>
+        </p:spPr>
+        <p:txBody>
+          <a:bodyPr anchorCtr="0" anchor="t" bIns="91425" lIns="91425" spcFirstLastPara="1" rIns="91425" wrap="square" tIns="91425">
+            <a:noAutofit/>
+          </a:bodyPr>
+          <a:lstStyle/>
+          <a:p>
+            <a:pPr indent="0" lvl="0" marL="0" rtl="0" algn="l">
+              <a:spcBef>
+                <a:spcPts val="0"/>
+              </a:spcBef>
+              <a:spcAft>
+                <a:spcPts val="0"/>
+              </a:spcAft>
+              <a:buNone/>
+            </a:pPr>
+            <a:r>
+              <a:rPr lang="en" sz="3000">
+                <a:solidFill>
+                  <a:schemeClr val="dk1"/>
+                </a:solidFill>
+                <a:latin typeface="Oswald"/>
+                <a:ea typeface="Oswald"/>
+                <a:cs typeface="Oswald"/>
+                <a:sym typeface="Oswald"/>
+              </a:rPr>
+              <a:t>Initial Insights</a:t>
+            </a:r>
+            <a:endParaRPr b="1" sz="2100">
+              <a:solidFill>
+                <a:schemeClr val="dk1"/>
+              </a:solidFill>
+            </a:endParaRPr>
+          </a:p>
+          <a:p>
+            <a:pPr indent="-330200" lvl="0" marL="457200" rtl="0" algn="l">
+              <a:spcBef>
+                <a:spcPts val="1600"/>
+              </a:spcBef>
+              <a:spcAft>
+                <a:spcPts val="0"/>
+              </a:spcAft>
+              <a:buSzPts val="1600"/>
+              <a:buChar char="●"/>
+            </a:pPr>
+            <a:r>
+              <a:rPr lang="en" sz="1600"/>
+              <a:t>Most defaulting customers had a history of several months of payment delay or using revolving credit in the last 6 months. </a:t>
+            </a:r>
+            <a:endParaRPr sz="1600"/>
+          </a:p>
+          <a:p>
+            <a:pPr indent="-330200" lvl="0" marL="457200" rtl="0" algn="l">
+              <a:spcBef>
+                <a:spcPts val="0"/>
+              </a:spcBef>
+              <a:spcAft>
+                <a:spcPts val="0"/>
+              </a:spcAft>
+              <a:buSzPts val="1600"/>
+              <a:buChar char="●"/>
+            </a:pPr>
+            <a:r>
+              <a:rPr lang="en" sz="1600"/>
+              <a:t>Most of the defaulting customers had a credit of $200,000 or less. The highest number of defaulting customers have a credit limit of $50,000 or less.</a:t>
+            </a:r>
+            <a:endParaRPr sz="1600"/>
+          </a:p>
+          <a:p>
+            <a:pPr indent="-330200" lvl="0" marL="457200" rtl="0" algn="l">
+              <a:spcBef>
+                <a:spcPts val="0"/>
+              </a:spcBef>
+              <a:spcAft>
+                <a:spcPts val="0"/>
+              </a:spcAft>
+              <a:buSzPts val="1600"/>
+              <a:buChar char="●"/>
+            </a:pPr>
+            <a:r>
+              <a:rPr lang="en" sz="1600"/>
+              <a:t>About 22% of customers default irrespective of their attributes.</a:t>
+            </a:r>
+            <a:endParaRPr b="1" sz="1600"/>
+          </a:p>
+          <a:p>
+            <a:pPr indent="-330200" lvl="0" marL="457200" rtl="0" algn="l">
+              <a:spcBef>
+                <a:spcPts val="0"/>
+              </a:spcBef>
+              <a:spcAft>
+                <a:spcPts val="0"/>
+              </a:spcAft>
+              <a:buSzPts val="1600"/>
+              <a:buChar char="●"/>
+            </a:pPr>
+            <a:r>
+              <a:rPr lang="en" sz="1600"/>
+              <a:t>The maximum defaulting customers are between the ages of 22 and 35.</a:t>
+            </a:r>
+            <a:endParaRPr sz="1600"/>
+          </a:p>
+          <a:p>
+            <a:pPr indent="-330200" lvl="0" marL="457200" rtl="0" algn="l">
+              <a:spcBef>
+                <a:spcPts val="0"/>
+              </a:spcBef>
+              <a:spcAft>
+                <a:spcPts val="0"/>
+              </a:spcAft>
+              <a:buSzPts val="1600"/>
+              <a:buChar char="●"/>
+            </a:pPr>
+            <a:r>
+              <a:rPr lang="en" sz="1600"/>
+              <a:t>Male and Female customers with a credit limit of $50K or less were equally defaulting, however more females with credit limit between $50K -$200K were likely to default.</a:t>
+            </a:r>
+            <a:endParaRPr sz="1600"/>
+          </a:p>
+          <a:p>
+            <a:pPr indent="-330200" lvl="0" marL="457200" rtl="0" algn="l">
+              <a:spcBef>
+                <a:spcPts val="0"/>
+              </a:spcBef>
+              <a:spcAft>
+                <a:spcPts val="0"/>
+              </a:spcAft>
+              <a:buSzPts val="1600"/>
+              <a:buChar char="●"/>
+            </a:pPr>
+            <a:r>
+              <a:rPr lang="en" sz="1600"/>
+              <a:t>A larger percentage of divorcees are likely to default as compared to overall defaulting percentages in married and single customers.</a:t>
+            </a:r>
+            <a:endParaRPr sz="1600"/>
+          </a:p>
+          <a:p>
+            <a:pPr indent="-330200" lvl="0" marL="457200" rtl="0" algn="l">
+              <a:spcBef>
+                <a:spcPts val="0"/>
+              </a:spcBef>
+              <a:spcAft>
+                <a:spcPts val="0"/>
+              </a:spcAft>
+              <a:buSzPts val="1600"/>
+              <a:buChar char="●"/>
+            </a:pPr>
+            <a:r>
+              <a:rPr lang="en" sz="1600"/>
+              <a:t>There are outliers in the data that will need to be cleaned out.</a:t>
+            </a:r>
+            <a:endParaRPr sz="1600"/>
+          </a:p>
+          <a:p>
+            <a:pPr indent="0" lvl="0" marL="457200" rtl="0" algn="l">
+              <a:spcBef>
+                <a:spcPts val="1600"/>
+              </a:spcBef>
+              <a:spcAft>
+                <a:spcPts val="1600"/>
+              </a:spcAft>
+              <a:buNone/>
+            </a:pPr>
+            <a:r>
+              <a:t/>
+            </a:r>
+            <a:endParaRPr sz="1600"/>
+          </a:p>
+        </p:txBody>
+      </p:sp>
+    </p:spTree>
+  </p:cSld>
+  <p:clrMapOvr>
+    <a:masterClrMapping/>
+  </p:clrMapOvr>
+</p:sld>
+</file>
+
 <file path=ppt/slides/slide2.xml><?xml version="1.0" encoding="utf-8"?>
 <p:sld xmlns:a="http://schemas.openxmlformats.org/drawingml/2006/main" xmlns:r="http://schemas.openxmlformats.org/officeDocument/2006/relationships" xmlns:mc="http://schemas.openxmlformats.org/markup-compatibility/2006" xmlns:mv="urn:schemas-microsoft-com:mac:vml" xmlns:p="http://schemas.openxmlformats.org/presentationml/2006/main" xmlns:c="http://schemas.openxmlformats.org/drawingml/2006/chart" xmlns:dgm="http://schemas.openxmlformats.org/drawingml/2006/diagram" xmlns:o="urn:schemas-microsoft-com:office:office" xmlns:v="urn:schemas-microsoft-com:vml" xmlns:pvml="urn:schemas-microsoft-com:office:powerpoint" xmlns:com="http://schemas.openxmlformats.org/drawingml/2006/compatibility" xmlns:p14="http://schemas.microsoft.com/office/powerpoint/2010/main" xmlns:p15="http://schemas.microsoft.com/office/powerpoint/2012/main">
   <p:cSld>
@@ -8119,15 +8630,15 @@
         </p:nvSpPr>
         <p:spPr>
           <a:xfrm>
-            <a:off x="311700" y="445025"/>
-            <a:ext cx="8520600" cy="572700"/>
+            <a:off x="243425" y="176000"/>
+            <a:ext cx="3891300" cy="1384500"/>
           </a:xfrm>
           <a:prstGeom prst="rect">
             <a:avLst/>
           </a:prstGeom>
         </p:spPr>
         <p:txBody>
-          <a:bodyPr anchorCtr="0" anchor="t" bIns="91425" lIns="91425" spcFirstLastPara="1" rIns="91425" wrap="square" tIns="91425">
+          <a:bodyPr anchorCtr="0" anchor="ctr" bIns="91425" lIns="91425" spcFirstLastPara="1" rIns="91425" wrap="square" tIns="91425">
             <a:noAutofit/>
           </a:bodyPr>
           <a:lstStyle/>
@@ -8142,256 +8653,117 @@
               <a:buNone/>
             </a:pPr>
             <a:r>
-              <a:rPr lang="en"/>
-              <a:t>Explanation</a:t>
+              <a:rPr lang="en" sz="2400"/>
+              <a:t>A</a:t>
             </a:r>
             <a:r>
-              <a:rPr lang="en"/>
-              <a:t> of how we will manage the dataset</a:t>
+              <a:rPr lang="en" sz="2400"/>
+              <a:t>mount of given credit</a:t>
             </a:r>
-            <a:endParaRPr/>
+            <a:endParaRPr sz="2400"/>
+          </a:p>
+          <a:p>
+            <a:pPr indent="0" lvl="0" marL="457200" rtl="0" algn="l">
+              <a:spcBef>
+                <a:spcPts val="0"/>
+              </a:spcBef>
+              <a:spcAft>
+                <a:spcPts val="0"/>
+              </a:spcAft>
+              <a:buNone/>
+            </a:pPr>
+            <a:r>
+              <a:rPr lang="en" sz="1400"/>
+              <a:t>The average credit is about $397K and majority of the people in the dataset have a credit limit below average.</a:t>
+            </a:r>
+            <a:endParaRPr sz="1400"/>
           </a:p>
         </p:txBody>
       </p:sp>
-      <p:sp>
-        <p:nvSpPr>
+      <p:pic>
+        <p:nvPicPr>
           <p:cNvPr id="103" name="Google Shape;103;p18"/>
-          <p:cNvSpPr txBox="1"/>
-          <p:nvPr>
-            <p:ph idx="1" type="body"/>
-          </p:nvPr>
-        </p:nvSpPr>
+          <p:cNvPicPr preferRelativeResize="0"/>
+          <p:nvPr/>
+        </p:nvPicPr>
+        <p:blipFill>
+          <a:blip r:embed="rId3">
+            <a:alphaModFix/>
+          </a:blip>
+          <a:stretch>
+            <a:fillRect/>
+          </a:stretch>
+        </p:blipFill>
         <p:spPr>
           <a:xfrm>
-            <a:off x="311700" y="1152475"/>
-            <a:ext cx="2849100" cy="3416400"/>
+            <a:off x="4134725" y="158150"/>
+            <a:ext cx="4559850" cy="2512400"/>
           </a:xfrm>
           <a:prstGeom prst="rect">
             <a:avLst/>
           </a:prstGeom>
+          <a:noFill/>
+          <a:ln>
+            <a:noFill/>
+          </a:ln>
         </p:spPr>
-        <p:txBody>
-          <a:bodyPr anchorCtr="0" anchor="t" bIns="91425" lIns="91425" spcFirstLastPara="1" rIns="91425" wrap="square" tIns="91425">
-            <a:noAutofit/>
-          </a:bodyPr>
-          <a:lstStyle/>
-          <a:p>
-            <a:pPr indent="0" lvl="0" marL="0" rtl="0" algn="l">
-              <a:spcBef>
-                <a:spcPts val="0"/>
-              </a:spcBef>
-              <a:spcAft>
-                <a:spcPts val="0"/>
-              </a:spcAft>
-              <a:buNone/>
-            </a:pPr>
-            <a:r>
-              <a:rPr b="1" lang="en" sz="2100">
-                <a:solidFill>
-                  <a:schemeClr val="dk1"/>
-                </a:solidFill>
-              </a:rPr>
-              <a:t>Exploratory Analysis</a:t>
-            </a:r>
-            <a:endParaRPr b="1" sz="2100">
-              <a:solidFill>
-                <a:schemeClr val="dk1"/>
-              </a:solidFill>
-            </a:endParaRPr>
-          </a:p>
-          <a:p>
-            <a:pPr indent="-330200" lvl="0" marL="457200" rtl="0" algn="l">
-              <a:spcBef>
-                <a:spcPts val="1600"/>
-              </a:spcBef>
-              <a:spcAft>
-                <a:spcPts val="0"/>
-              </a:spcAft>
-              <a:buSzPts val="1600"/>
-              <a:buChar char="●"/>
-            </a:pPr>
-            <a:r>
-              <a:rPr lang="en" sz="1600"/>
-              <a:t>We will find how each of the dataset attribute relates to whether the customer defaulted or not.</a:t>
-            </a:r>
-            <a:endParaRPr sz="1600"/>
-          </a:p>
-          <a:p>
-            <a:pPr indent="-330200" lvl="0" marL="457200" rtl="0" algn="l">
-              <a:spcBef>
-                <a:spcPts val="0"/>
-              </a:spcBef>
-              <a:spcAft>
-                <a:spcPts val="0"/>
-              </a:spcAft>
-              <a:buSzPts val="1600"/>
-              <a:buChar char="●"/>
-            </a:pPr>
-            <a:r>
-              <a:rPr lang="en" sz="1600"/>
-              <a:t>Based on this we will identify, clean and select the features that affect the defaulting result the most.</a:t>
-            </a:r>
-            <a:endParaRPr sz="1600"/>
-          </a:p>
-        </p:txBody>
-      </p:sp>
-      <p:sp>
-        <p:nvSpPr>
+      </p:pic>
+      <p:pic>
+        <p:nvPicPr>
           <p:cNvPr id="104" name="Google Shape;104;p18"/>
-          <p:cNvSpPr txBox="1"/>
-          <p:nvPr>
-            <p:ph idx="2" type="body"/>
-          </p:nvPr>
-        </p:nvSpPr>
+          <p:cNvPicPr preferRelativeResize="0"/>
+          <p:nvPr/>
+        </p:nvPicPr>
+        <p:blipFill>
+          <a:blip r:embed="rId4">
+            <a:alphaModFix/>
+          </a:blip>
+          <a:stretch>
+            <a:fillRect/>
+          </a:stretch>
+        </p:blipFill>
         <p:spPr>
           <a:xfrm>
-            <a:off x="5983200" y="1152475"/>
-            <a:ext cx="2849100" cy="3416400"/>
+            <a:off x="243425" y="1642075"/>
+            <a:ext cx="2929400" cy="3438800"/>
           </a:xfrm>
           <a:prstGeom prst="rect">
             <a:avLst/>
           </a:prstGeom>
+          <a:noFill/>
+          <a:ln>
+            <a:noFill/>
+          </a:ln>
         </p:spPr>
-        <p:txBody>
-          <a:bodyPr anchorCtr="0" anchor="t" bIns="91425" lIns="91425" spcFirstLastPara="1" rIns="91425" wrap="square" tIns="91425">
-            <a:noAutofit/>
-          </a:bodyPr>
-          <a:lstStyle/>
-          <a:p>
-            <a:pPr indent="0" lvl="0" marL="0" rtl="0" algn="l">
-              <a:spcBef>
-                <a:spcPts val="0"/>
-              </a:spcBef>
-              <a:spcAft>
-                <a:spcPts val="0"/>
-              </a:spcAft>
-              <a:buNone/>
-            </a:pPr>
-            <a:r>
-              <a:rPr b="1" lang="en" sz="2100">
-                <a:solidFill>
-                  <a:schemeClr val="dk1"/>
-                </a:solidFill>
-              </a:rPr>
-              <a:t>Apply trained model </a:t>
-            </a:r>
-            <a:endParaRPr b="1" sz="2100">
-              <a:solidFill>
-                <a:schemeClr val="dk1"/>
-              </a:solidFill>
-            </a:endParaRPr>
-          </a:p>
-          <a:p>
-            <a:pPr indent="-330200" lvl="0" marL="457200" rtl="0" algn="l">
-              <a:spcBef>
-                <a:spcPts val="1600"/>
-              </a:spcBef>
-              <a:spcAft>
-                <a:spcPts val="1600"/>
-              </a:spcAft>
-              <a:buSzPts val="1600"/>
-              <a:buChar char="●"/>
-            </a:pPr>
-            <a:r>
-              <a:rPr lang="en" sz="1600"/>
-              <a:t>Finally, the selected optimum model will be applied to a new dataset containing the same customer attributes and the final result of whether the customer will default or not, will be forecasted.</a:t>
-            </a:r>
-            <a:endParaRPr sz="1600"/>
-          </a:p>
-        </p:txBody>
-      </p:sp>
-      <p:sp>
-        <p:nvSpPr>
+      </p:pic>
+      <p:pic>
+        <p:nvPicPr>
           <p:cNvPr id="105" name="Google Shape;105;p18"/>
-          <p:cNvSpPr txBox="1"/>
-          <p:nvPr>
-            <p:ph idx="2" type="body"/>
-          </p:nvPr>
-        </p:nvSpPr>
+          <p:cNvPicPr preferRelativeResize="0"/>
+          <p:nvPr/>
+        </p:nvPicPr>
+        <p:blipFill>
+          <a:blip r:embed="rId5">
+            <a:alphaModFix/>
+          </a:blip>
+          <a:stretch>
+            <a:fillRect/>
+          </a:stretch>
+        </p:blipFill>
         <p:spPr>
           <a:xfrm>
-            <a:off x="3134100" y="1152475"/>
-            <a:ext cx="2849100" cy="3416400"/>
+            <a:off x="3169275" y="2645725"/>
+            <a:ext cx="5525300" cy="2435026"/>
           </a:xfrm>
           <a:prstGeom prst="rect">
             <a:avLst/>
           </a:prstGeom>
+          <a:noFill/>
+          <a:ln>
+            <a:noFill/>
+          </a:ln>
         </p:spPr>
-        <p:txBody>
-          <a:bodyPr anchorCtr="0" anchor="t" bIns="91425" lIns="91425" spcFirstLastPara="1" rIns="91425" wrap="square" tIns="91425">
-            <a:noAutofit/>
-          </a:bodyPr>
-          <a:lstStyle/>
-          <a:p>
-            <a:pPr indent="0" lvl="0" marL="0" rtl="0" algn="l">
-              <a:spcBef>
-                <a:spcPts val="0"/>
-              </a:spcBef>
-              <a:spcAft>
-                <a:spcPts val="0"/>
-              </a:spcAft>
-              <a:buNone/>
-            </a:pPr>
-            <a:r>
-              <a:rPr b="1" lang="en" sz="2100">
-                <a:solidFill>
-                  <a:schemeClr val="dk1"/>
-                </a:solidFill>
-              </a:rPr>
-              <a:t>Model selection </a:t>
-            </a:r>
-            <a:endParaRPr b="1" sz="2100">
-              <a:solidFill>
-                <a:schemeClr val="dk1"/>
-              </a:solidFill>
-            </a:endParaRPr>
-          </a:p>
-          <a:p>
-            <a:pPr indent="-330200" lvl="0" marL="457200" marR="0" rtl="0" algn="l">
-              <a:lnSpc>
-                <a:spcPct val="115000"/>
-              </a:lnSpc>
-              <a:spcBef>
-                <a:spcPts val="1600"/>
-              </a:spcBef>
-              <a:spcAft>
-                <a:spcPts val="0"/>
-              </a:spcAft>
-              <a:buSzPts val="1600"/>
-              <a:buChar char="●"/>
-            </a:pPr>
-            <a:r>
-              <a:rPr lang="en" sz="1600"/>
-              <a:t>Data set will broken into 70%-30% to create training and testing sets. </a:t>
-            </a:r>
-            <a:endParaRPr sz="1600"/>
-          </a:p>
-          <a:p>
-            <a:pPr indent="-330200" lvl="0" marL="457200" marR="0" rtl="0" algn="l">
-              <a:lnSpc>
-                <a:spcPct val="115000"/>
-              </a:lnSpc>
-              <a:spcBef>
-                <a:spcPts val="0"/>
-              </a:spcBef>
-              <a:spcAft>
-                <a:spcPts val="0"/>
-              </a:spcAft>
-              <a:buSzPts val="1600"/>
-              <a:buChar char="●"/>
-            </a:pPr>
-            <a:r>
-              <a:rPr lang="en" sz="1600"/>
-              <a:t>Several</a:t>
-            </a:r>
-            <a:r>
-              <a:rPr lang="en" sz="1600"/>
-              <a:t> Data models will be tested based on the ground truth on the training and test sets and the best model will chosen based on the resulting Accuracy of the models.</a:t>
-            </a:r>
-            <a:endParaRPr sz="1600"/>
-          </a:p>
-        </p:txBody>
-      </p:sp>
+      </p:pic>
     </p:spTree>
   </p:cSld>
   <p:clrMapOvr>
@@ -8422,13 +8794,411 @@
           <p:cNvPr id="110" name="Google Shape;110;p19"/>
           <p:cNvSpPr txBox="1"/>
           <p:nvPr>
-            <p:ph idx="4294967295" type="body"/>
+            <p:ph type="title"/>
           </p:nvPr>
         </p:nvSpPr>
         <p:spPr>
           <a:xfrm>
-            <a:off x="311700" y="199050"/>
-            <a:ext cx="7857300" cy="4369800"/>
+            <a:off x="163800" y="88425"/>
+            <a:ext cx="4080000" cy="2143200"/>
+          </a:xfrm>
+          <a:prstGeom prst="rect">
+            <a:avLst/>
+          </a:prstGeom>
+        </p:spPr>
+        <p:txBody>
+          <a:bodyPr anchorCtr="0" anchor="ctr" bIns="91425" lIns="91425" spcFirstLastPara="1" rIns="91425" wrap="square" tIns="91425">
+            <a:noAutofit/>
+          </a:bodyPr>
+          <a:lstStyle/>
+          <a:p>
+            <a:pPr indent="0" lvl="0" marL="0" rtl="0" algn="l">
+              <a:spcBef>
+                <a:spcPts val="0"/>
+              </a:spcBef>
+              <a:spcAft>
+                <a:spcPts val="0"/>
+              </a:spcAft>
+              <a:buNone/>
+            </a:pPr>
+            <a:r>
+              <a:rPr lang="en" sz="2400"/>
+              <a:t>Gender, Education, Age, Marital status</a:t>
+            </a:r>
+            <a:endParaRPr sz="2400"/>
+          </a:p>
+          <a:p>
+            <a:pPr indent="-317500" lvl="0" marL="457200" rtl="0" algn="l">
+              <a:spcBef>
+                <a:spcPts val="0"/>
+              </a:spcBef>
+              <a:spcAft>
+                <a:spcPts val="0"/>
+              </a:spcAft>
+              <a:buSzPts val="1400"/>
+              <a:buChar char="●"/>
+            </a:pPr>
+            <a:r>
+              <a:rPr lang="en" sz="1400"/>
+              <a:t>More Females in the dataset than Male.</a:t>
+            </a:r>
+            <a:endParaRPr sz="1400"/>
+          </a:p>
+          <a:p>
+            <a:pPr indent="-317500" lvl="0" marL="457200" rtl="0" algn="l">
+              <a:spcBef>
+                <a:spcPts val="0"/>
+              </a:spcBef>
+              <a:spcAft>
+                <a:spcPts val="0"/>
+              </a:spcAft>
+              <a:buSzPts val="1400"/>
+              <a:buChar char="●"/>
+            </a:pPr>
+            <a:r>
+              <a:rPr lang="en" sz="1400"/>
+              <a:t>More University and graduate school educated that any other.</a:t>
+            </a:r>
+            <a:endParaRPr sz="1400"/>
+          </a:p>
+          <a:p>
+            <a:pPr indent="-317500" lvl="0" marL="457200" rtl="0" algn="l">
+              <a:spcBef>
+                <a:spcPts val="0"/>
+              </a:spcBef>
+              <a:spcAft>
+                <a:spcPts val="0"/>
+              </a:spcAft>
+              <a:buSzPts val="1400"/>
+              <a:buChar char="●"/>
+            </a:pPr>
+            <a:r>
+              <a:rPr lang="en" sz="1400"/>
+              <a:t>More Married and Single customers than any other status.</a:t>
+            </a:r>
+            <a:endParaRPr sz="1400"/>
+          </a:p>
+          <a:p>
+            <a:pPr indent="-317500" lvl="0" marL="457200" rtl="0" algn="l">
+              <a:spcBef>
+                <a:spcPts val="0"/>
+              </a:spcBef>
+              <a:spcAft>
+                <a:spcPts val="0"/>
+              </a:spcAft>
+              <a:buSzPts val="1400"/>
+              <a:buChar char="●"/>
+            </a:pPr>
+            <a:r>
+              <a:rPr lang="en" sz="1400"/>
+              <a:t>More customers under the age of 47 defaulting than over 47.</a:t>
+            </a:r>
+            <a:endParaRPr sz="1400"/>
+          </a:p>
+        </p:txBody>
+      </p:sp>
+      <p:pic>
+        <p:nvPicPr>
+          <p:cNvPr id="111" name="Google Shape;111;p19"/>
+          <p:cNvPicPr preferRelativeResize="0"/>
+          <p:nvPr/>
+        </p:nvPicPr>
+        <p:blipFill>
+          <a:blip r:embed="rId3">
+            <a:alphaModFix/>
+          </a:blip>
+          <a:stretch>
+            <a:fillRect/>
+          </a:stretch>
+        </p:blipFill>
+        <p:spPr>
+          <a:xfrm>
+            <a:off x="146700" y="4457350"/>
+            <a:ext cx="4867275" cy="619825"/>
+          </a:xfrm>
+          <a:prstGeom prst="rect">
+            <a:avLst/>
+          </a:prstGeom>
+          <a:noFill/>
+          <a:ln>
+            <a:noFill/>
+          </a:ln>
+        </p:spPr>
+      </p:pic>
+      <p:pic>
+        <p:nvPicPr>
+          <p:cNvPr id="112" name="Google Shape;112;p19"/>
+          <p:cNvPicPr preferRelativeResize="0"/>
+          <p:nvPr/>
+        </p:nvPicPr>
+        <p:blipFill>
+          <a:blip r:embed="rId4">
+            <a:alphaModFix/>
+          </a:blip>
+          <a:stretch>
+            <a:fillRect/>
+          </a:stretch>
+        </p:blipFill>
+        <p:spPr>
+          <a:xfrm>
+            <a:off x="163800" y="2263525"/>
+            <a:ext cx="4079974" cy="2226251"/>
+          </a:xfrm>
+          <a:prstGeom prst="rect">
+            <a:avLst/>
+          </a:prstGeom>
+          <a:noFill/>
+          <a:ln>
+            <a:noFill/>
+          </a:ln>
+        </p:spPr>
+      </p:pic>
+      <p:pic>
+        <p:nvPicPr>
+          <p:cNvPr id="113" name="Google Shape;113;p19"/>
+          <p:cNvPicPr preferRelativeResize="0"/>
+          <p:nvPr/>
+        </p:nvPicPr>
+        <p:blipFill>
+          <a:blip r:embed="rId5">
+            <a:alphaModFix/>
+          </a:blip>
+          <a:stretch>
+            <a:fillRect/>
+          </a:stretch>
+        </p:blipFill>
+        <p:spPr>
+          <a:xfrm>
+            <a:off x="5545625" y="2702225"/>
+            <a:ext cx="3530275" cy="2143249"/>
+          </a:xfrm>
+          <a:prstGeom prst="rect">
+            <a:avLst/>
+          </a:prstGeom>
+          <a:noFill/>
+          <a:ln>
+            <a:noFill/>
+          </a:ln>
+        </p:spPr>
+      </p:pic>
+      <p:pic>
+        <p:nvPicPr>
+          <p:cNvPr id="114" name="Google Shape;114;p19"/>
+          <p:cNvPicPr preferRelativeResize="0"/>
+          <p:nvPr/>
+        </p:nvPicPr>
+        <p:blipFill>
+          <a:blip r:embed="rId6">
+            <a:alphaModFix/>
+          </a:blip>
+          <a:stretch>
+            <a:fillRect/>
+          </a:stretch>
+        </p:blipFill>
+        <p:spPr>
+          <a:xfrm>
+            <a:off x="4200525" y="-26291"/>
+            <a:ext cx="4867276" cy="2631591"/>
+          </a:xfrm>
+          <a:prstGeom prst="rect">
+            <a:avLst/>
+          </a:prstGeom>
+          <a:noFill/>
+          <a:ln>
+            <a:noFill/>
+          </a:ln>
+        </p:spPr>
+      </p:pic>
+    </p:spTree>
+  </p:cSld>
+  <p:clrMapOvr>
+    <a:masterClrMapping/>
+  </p:clrMapOvr>
+</p:sld>
+</file>
+
+<file path=ppt/slides/slide8.xml><?xml version="1.0" encoding="utf-8"?>
+<p:sld xmlns:a="http://schemas.openxmlformats.org/drawingml/2006/main" xmlns:r="http://schemas.openxmlformats.org/officeDocument/2006/relationships" xmlns:mc="http://schemas.openxmlformats.org/markup-compatibility/2006" xmlns:mv="urn:schemas-microsoft-com:mac:vml" xmlns:p="http://schemas.openxmlformats.org/presentationml/2006/main" xmlns:c="http://schemas.openxmlformats.org/drawingml/2006/chart" xmlns:dgm="http://schemas.openxmlformats.org/drawingml/2006/diagram" xmlns:o="urn:schemas-microsoft-com:office:office" xmlns:v="urn:schemas-microsoft-com:vml" xmlns:pvml="urn:schemas-microsoft-com:office:powerpoint" xmlns:com="http://schemas.openxmlformats.org/drawingml/2006/compatibility" xmlns:p14="http://schemas.microsoft.com/office/powerpoint/2010/main" xmlns:p15="http://schemas.microsoft.com/office/powerpoint/2012/main">
+  <p:cSld>
+    <p:spTree>
+      <p:nvGrpSpPr>
+        <p:cNvPr id="118" name="Shape 118"/>
+        <p:cNvGrpSpPr/>
+        <p:nvPr/>
+      </p:nvGrpSpPr>
+      <p:grpSpPr>
+        <a:xfrm>
+          <a:off x="0" y="0"/>
+          <a:ext cx="0" cy="0"/>
+          <a:chOff x="0" y="0"/>
+          <a:chExt cx="0" cy="0"/>
+        </a:xfrm>
+      </p:grpSpPr>
+      <p:sp>
+        <p:nvSpPr>
+          <p:cNvPr id="119" name="Google Shape;119;p20"/>
+          <p:cNvSpPr txBox="1"/>
+          <p:nvPr>
+            <p:ph type="title"/>
+          </p:nvPr>
+        </p:nvSpPr>
+        <p:spPr>
+          <a:xfrm>
+            <a:off x="163775" y="594013"/>
+            <a:ext cx="2344500" cy="3892500"/>
+          </a:xfrm>
+          <a:prstGeom prst="rect">
+            <a:avLst/>
+          </a:prstGeom>
+        </p:spPr>
+        <p:txBody>
+          <a:bodyPr anchorCtr="0" anchor="ctr" bIns="91425" lIns="91425" spcFirstLastPara="1" rIns="91425" wrap="square" tIns="91425">
+            <a:noAutofit/>
+          </a:bodyPr>
+          <a:lstStyle/>
+          <a:p>
+            <a:pPr indent="0" lvl="0" marL="0" rtl="0" algn="l">
+              <a:lnSpc>
+                <a:spcPct val="115000"/>
+              </a:lnSpc>
+              <a:spcBef>
+                <a:spcPts val="0"/>
+              </a:spcBef>
+              <a:spcAft>
+                <a:spcPts val="0"/>
+              </a:spcAft>
+              <a:buNone/>
+            </a:pPr>
+            <a:r>
+              <a:rPr lang="en" sz="2400"/>
+              <a:t>History of past payments</a:t>
+            </a:r>
+            <a:endParaRPr sz="2400"/>
+          </a:p>
+          <a:p>
+            <a:pPr indent="0" lvl="0" marL="0" rtl="0" algn="l">
+              <a:lnSpc>
+                <a:spcPct val="115000"/>
+              </a:lnSpc>
+              <a:spcBef>
+                <a:spcPts val="1600"/>
+              </a:spcBef>
+              <a:spcAft>
+                <a:spcPts val="0"/>
+              </a:spcAft>
+              <a:buNone/>
+            </a:pPr>
+            <a:r>
+              <a:rPr lang="en" sz="1400"/>
+              <a:t>Past payment history shows more customers that defaulted multiple times over a period of 6 months are more likely to default in the next month as well. </a:t>
+            </a:r>
+            <a:endParaRPr sz="1400"/>
+          </a:p>
+          <a:p>
+            <a:pPr indent="0" lvl="0" marL="0" rtl="0" algn="l">
+              <a:lnSpc>
+                <a:spcPct val="115000"/>
+              </a:lnSpc>
+              <a:spcBef>
+                <a:spcPts val="1600"/>
+              </a:spcBef>
+              <a:spcAft>
+                <a:spcPts val="0"/>
+              </a:spcAft>
+              <a:buNone/>
+            </a:pPr>
+            <a:r>
+              <a:rPr lang="en" sz="1400"/>
+              <a:t>About 17% of customers who have not frequently defaulted in the past 6 months are likely to default in the next month.</a:t>
+            </a:r>
+            <a:endParaRPr sz="1400"/>
+          </a:p>
+          <a:p>
+            <a:pPr indent="0" lvl="0" marL="0" rtl="0" algn="l">
+              <a:lnSpc>
+                <a:spcPct val="115000"/>
+              </a:lnSpc>
+              <a:spcBef>
+                <a:spcPts val="1600"/>
+              </a:spcBef>
+              <a:spcAft>
+                <a:spcPts val="1600"/>
+              </a:spcAft>
+              <a:buNone/>
+            </a:pPr>
+            <a:r>
+              <a:rPr lang="en" sz="1400"/>
+              <a:t>About 70% of customer who defaulted multiple times in the past 6 months are likely to default in the next month. </a:t>
+            </a:r>
+            <a:endParaRPr sz="1400"/>
+          </a:p>
+        </p:txBody>
+      </p:sp>
+      <p:pic>
+        <p:nvPicPr>
+          <p:cNvPr id="120" name="Google Shape;120;p20"/>
+          <p:cNvPicPr preferRelativeResize="0"/>
+          <p:nvPr/>
+        </p:nvPicPr>
+        <p:blipFill>
+          <a:blip r:embed="rId3">
+            <a:alphaModFix/>
+          </a:blip>
+          <a:stretch>
+            <a:fillRect/>
+          </a:stretch>
+        </p:blipFill>
+        <p:spPr>
+          <a:xfrm>
+            <a:off x="2508275" y="468950"/>
+            <a:ext cx="6464726" cy="4017575"/>
+          </a:xfrm>
+          <a:prstGeom prst="rect">
+            <a:avLst/>
+          </a:prstGeom>
+          <a:noFill/>
+          <a:ln>
+            <a:noFill/>
+          </a:ln>
+        </p:spPr>
+      </p:pic>
+    </p:spTree>
+  </p:cSld>
+  <p:clrMapOvr>
+    <a:masterClrMapping/>
+  </p:clrMapOvr>
+</p:sld>
+</file>
+
+<file path=ppt/slides/slide9.xml><?xml version="1.0" encoding="utf-8"?>
+<p:sld xmlns:a="http://schemas.openxmlformats.org/drawingml/2006/main" xmlns:r="http://schemas.openxmlformats.org/officeDocument/2006/relationships" xmlns:mc="http://schemas.openxmlformats.org/markup-compatibility/2006" xmlns:mv="urn:schemas-microsoft-com:mac:vml" xmlns:p="http://schemas.openxmlformats.org/presentationml/2006/main" xmlns:c="http://schemas.openxmlformats.org/drawingml/2006/chart" xmlns:dgm="http://schemas.openxmlformats.org/drawingml/2006/diagram" xmlns:o="urn:schemas-microsoft-com:office:office" xmlns:v="urn:schemas-microsoft-com:vml" xmlns:pvml="urn:schemas-microsoft-com:office:powerpoint" xmlns:com="http://schemas.openxmlformats.org/drawingml/2006/compatibility" xmlns:p14="http://schemas.microsoft.com/office/powerpoint/2010/main" xmlns:p15="http://schemas.microsoft.com/office/powerpoint/2012/main">
+  <p:cSld>
+    <p:spTree>
+      <p:nvGrpSpPr>
+        <p:cNvPr id="124" name="Shape 124"/>
+        <p:cNvGrpSpPr/>
+        <p:nvPr/>
+      </p:nvGrpSpPr>
+      <p:grpSpPr>
+        <a:xfrm>
+          <a:off x="0" y="0"/>
+          <a:ext cx="0" cy="0"/>
+          <a:chOff x="0" y="0"/>
+          <a:chExt cx="0" cy="0"/>
+        </a:xfrm>
+      </p:grpSpPr>
+      <p:sp>
+        <p:nvSpPr>
+          <p:cNvPr id="125" name="Google Shape;125;p21"/>
+          <p:cNvSpPr txBox="1"/>
+          <p:nvPr>
+            <p:ph type="title"/>
+          </p:nvPr>
+        </p:nvSpPr>
+        <p:spPr>
+          <a:xfrm>
+            <a:off x="311700" y="445025"/>
+            <a:ext cx="8520600" cy="572700"/>
           </a:xfrm>
           <a:prstGeom prst="rect">
             <a:avLst/>
@@ -8450,127 +9220,668 @@
               <a:buNone/>
             </a:pPr>
             <a:r>
-              <a:rPr lang="en" sz="3000">
-                <a:solidFill>
-                  <a:schemeClr val="dk1"/>
-                </a:solidFill>
-                <a:latin typeface="Oswald"/>
-                <a:ea typeface="Oswald"/>
-                <a:cs typeface="Oswald"/>
-                <a:sym typeface="Oswald"/>
+              <a:rPr lang="en" sz="2400"/>
+              <a:t>Data Science process - Based on</a:t>
+            </a:r>
+            <a:r>
+              <a:rPr lang="en" sz="2400"/>
+              <a:t> Zumel and Mount framework framework</a:t>
+            </a:r>
+            <a:endParaRPr sz="2400"/>
+          </a:p>
+        </p:txBody>
+      </p:sp>
+      <p:sp>
+        <p:nvSpPr>
+          <p:cNvPr id="126" name="Google Shape;126;p21"/>
+          <p:cNvSpPr txBox="1"/>
+          <p:nvPr/>
+        </p:nvSpPr>
+        <p:spPr>
+          <a:xfrm>
+            <a:off x="375275" y="1125825"/>
+            <a:ext cx="2064000" cy="739500"/>
+          </a:xfrm>
+          <a:prstGeom prst="rect">
+            <a:avLst/>
+          </a:prstGeom>
+          <a:solidFill>
+            <a:srgbClr val="F3F3F3"/>
+          </a:solidFill>
+          <a:ln>
+            <a:noFill/>
+          </a:ln>
+        </p:spPr>
+        <p:txBody>
+          <a:bodyPr anchorCtr="0" anchor="t" bIns="91425" lIns="91425" spcFirstLastPara="1" rIns="91425" wrap="square" tIns="91425">
+            <a:noAutofit/>
+          </a:bodyPr>
+          <a:lstStyle/>
+          <a:p>
+            <a:pPr indent="0" lvl="0" marL="0" rtl="0" algn="l">
+              <a:spcBef>
+                <a:spcPts val="0"/>
+              </a:spcBef>
+              <a:spcAft>
+                <a:spcPts val="0"/>
+              </a:spcAft>
+              <a:buNone/>
+            </a:pPr>
+            <a:r>
+              <a:rPr b="1" lang="en">
+                <a:latin typeface="Average"/>
+                <a:ea typeface="Average"/>
+                <a:cs typeface="Average"/>
+                <a:sym typeface="Average"/>
               </a:rPr>
-              <a:t>Initial Insights</a:t>
+              <a:t>Goal </a:t>
             </a:r>
-            <a:endParaRPr b="1" sz="2100">
-              <a:solidFill>
-                <a:schemeClr val="dk1"/>
-              </a:solidFill>
+            <a:endParaRPr>
+              <a:latin typeface="Average"/>
+              <a:ea typeface="Average"/>
+              <a:cs typeface="Average"/>
+              <a:sym typeface="Average"/>
             </a:endParaRPr>
           </a:p>
           <a:p>
-            <a:pPr indent="-330200" lvl="0" marL="457200" rtl="0" algn="l">
-              <a:spcBef>
-                <a:spcPts val="1600"/>
-              </a:spcBef>
-              <a:spcAft>
-                <a:spcPts val="0"/>
-              </a:spcAft>
-              <a:buSzPts val="1600"/>
-              <a:buChar char="●"/>
+            <a:pPr indent="0" lvl="0" marL="0" rtl="0" algn="l">
+              <a:spcBef>
+                <a:spcPts val="0"/>
+              </a:spcBef>
+              <a:spcAft>
+                <a:spcPts val="0"/>
+              </a:spcAft>
+              <a:buNone/>
             </a:pPr>
             <a:r>
-              <a:rPr lang="en" sz="1600"/>
-              <a:t>Most defaulting customers had a history of several months of payment delay or using revolving credit in the last 6 months. </a:t>
+              <a:rPr lang="en">
+                <a:latin typeface="Average"/>
+                <a:ea typeface="Average"/>
+                <a:cs typeface="Average"/>
+                <a:sym typeface="Average"/>
+              </a:rPr>
+              <a:t>Identify customers likely to default.</a:t>
             </a:r>
-            <a:endParaRPr sz="1600"/>
-          </a:p>
-          <a:p>
-            <a:pPr indent="-330200" lvl="0" marL="457200" rtl="0" algn="l">
-              <a:spcBef>
-                <a:spcPts val="0"/>
-              </a:spcBef>
-              <a:spcAft>
-                <a:spcPts val="0"/>
-              </a:spcAft>
-              <a:buSzPts val="1600"/>
-              <a:buChar char="●"/>
-            </a:pPr>
-            <a:r>
-              <a:rPr lang="en" sz="1600"/>
-              <a:t>About 22% of customers default irrespective of their attributes.</a:t>
-            </a:r>
-            <a:endParaRPr b="1" sz="1600"/>
-          </a:p>
-          <a:p>
-            <a:pPr indent="-330200" lvl="0" marL="457200" rtl="0" algn="l">
-              <a:spcBef>
-                <a:spcPts val="0"/>
-              </a:spcBef>
-              <a:spcAft>
-                <a:spcPts val="0"/>
-              </a:spcAft>
-              <a:buSzPts val="1600"/>
-              <a:buChar char="●"/>
-            </a:pPr>
-            <a:r>
-              <a:rPr lang="en" sz="1600"/>
-              <a:t>The maximum defaulting customers are between the ages of 22 and 35</a:t>
-            </a:r>
-            <a:endParaRPr b="1" sz="1600"/>
-          </a:p>
-          <a:p>
-            <a:pPr indent="-330200" lvl="0" marL="457200" rtl="0" algn="l">
-              <a:spcBef>
-                <a:spcPts val="0"/>
-              </a:spcBef>
-              <a:spcAft>
-                <a:spcPts val="0"/>
-              </a:spcAft>
-              <a:buSzPts val="1600"/>
-              <a:buChar char="●"/>
-            </a:pPr>
-            <a:r>
-              <a:rPr lang="en" sz="1600"/>
-              <a:t>There are outliers in the data that will need to be cleaned out.</a:t>
-            </a:r>
-            <a:endParaRPr sz="1600"/>
-          </a:p>
-          <a:p>
-            <a:pPr indent="-330200" lvl="0" marL="457200" rtl="0" algn="l">
-              <a:spcBef>
-                <a:spcPts val="0"/>
-              </a:spcBef>
-              <a:spcAft>
-                <a:spcPts val="0"/>
-              </a:spcAft>
-              <a:buSzPts val="1600"/>
-              <a:buChar char="●"/>
-            </a:pPr>
-            <a:r>
-              <a:rPr lang="en" sz="1600"/>
-              <a:t>The dataset has more female customers than male.</a:t>
-            </a:r>
-            <a:endParaRPr sz="1600"/>
-          </a:p>
-          <a:p>
-            <a:pPr indent="-330200" lvl="0" marL="457200" rtl="0" algn="l">
-              <a:spcBef>
-                <a:spcPts val="0"/>
-              </a:spcBef>
-              <a:spcAft>
-                <a:spcPts val="0"/>
-              </a:spcAft>
-              <a:buSzPts val="1600"/>
-              <a:buChar char="●"/>
-            </a:pPr>
-            <a:r>
-              <a:rPr lang="en" sz="1600"/>
-              <a:t>The history of past payments, or amount of payments in the past 6 months does not show any obvious trend towards or against defaulting.</a:t>
-            </a:r>
-            <a:endParaRPr sz="1600"/>
+            <a:endParaRPr>
+              <a:latin typeface="Average"/>
+              <a:ea typeface="Average"/>
+              <a:cs typeface="Average"/>
+              <a:sym typeface="Average"/>
+            </a:endParaRPr>
           </a:p>
         </p:txBody>
       </p:sp>
+      <p:sp>
+        <p:nvSpPr>
+          <p:cNvPr id="127" name="Google Shape;127;p21"/>
+          <p:cNvSpPr txBox="1"/>
+          <p:nvPr/>
+        </p:nvSpPr>
+        <p:spPr>
+          <a:xfrm>
+            <a:off x="2777225" y="1125825"/>
+            <a:ext cx="2064000" cy="2218500"/>
+          </a:xfrm>
+          <a:prstGeom prst="rect">
+            <a:avLst/>
+          </a:prstGeom>
+          <a:solidFill>
+            <a:srgbClr val="F3F3F3"/>
+          </a:solidFill>
+          <a:ln>
+            <a:noFill/>
+          </a:ln>
+        </p:spPr>
+        <p:txBody>
+          <a:bodyPr anchorCtr="0" anchor="t" bIns="91425" lIns="91425" spcFirstLastPara="1" rIns="91425" wrap="square" tIns="91425">
+            <a:noAutofit/>
+          </a:bodyPr>
+          <a:lstStyle/>
+          <a:p>
+            <a:pPr indent="0" lvl="0" marL="0" rtl="0" algn="l">
+              <a:spcBef>
+                <a:spcPts val="0"/>
+              </a:spcBef>
+              <a:spcAft>
+                <a:spcPts val="0"/>
+              </a:spcAft>
+              <a:buNone/>
+            </a:pPr>
+            <a:r>
+              <a:rPr b="1" lang="en">
+                <a:latin typeface="Average"/>
+                <a:ea typeface="Average"/>
+                <a:cs typeface="Average"/>
+                <a:sym typeface="Average"/>
+              </a:rPr>
+              <a:t>Collect and manage data</a:t>
+            </a:r>
+            <a:r>
+              <a:rPr lang="en">
+                <a:latin typeface="Average"/>
+                <a:ea typeface="Average"/>
+                <a:cs typeface="Average"/>
+                <a:sym typeface="Average"/>
+              </a:rPr>
+              <a:t> Customers 6 month payment history data has been made available for analysis.</a:t>
+            </a:r>
+            <a:endParaRPr>
+              <a:latin typeface="Average"/>
+              <a:ea typeface="Average"/>
+              <a:cs typeface="Average"/>
+              <a:sym typeface="Average"/>
+            </a:endParaRPr>
+          </a:p>
+          <a:p>
+            <a:pPr indent="0" lvl="0" marL="0" rtl="0" algn="l">
+              <a:spcBef>
+                <a:spcPts val="0"/>
+              </a:spcBef>
+              <a:spcAft>
+                <a:spcPts val="0"/>
+              </a:spcAft>
+              <a:buNone/>
+            </a:pPr>
+            <a:r>
+              <a:rPr lang="en">
+                <a:latin typeface="Average"/>
+                <a:ea typeface="Average"/>
+                <a:cs typeface="Average"/>
+                <a:sym typeface="Average"/>
+              </a:rPr>
+              <a:t>EDA to evaluate data distribution and quality, make assumptions and clean the dataset.</a:t>
+            </a:r>
+            <a:endParaRPr>
+              <a:latin typeface="Average"/>
+              <a:ea typeface="Average"/>
+              <a:cs typeface="Average"/>
+              <a:sym typeface="Average"/>
+            </a:endParaRPr>
+          </a:p>
+        </p:txBody>
+      </p:sp>
+      <p:sp>
+        <p:nvSpPr>
+          <p:cNvPr id="128" name="Google Shape;128;p21"/>
+          <p:cNvSpPr txBox="1"/>
+          <p:nvPr/>
+        </p:nvSpPr>
+        <p:spPr>
+          <a:xfrm>
+            <a:off x="5196575" y="1125825"/>
+            <a:ext cx="2064000" cy="971400"/>
+          </a:xfrm>
+          <a:prstGeom prst="rect">
+            <a:avLst/>
+          </a:prstGeom>
+          <a:solidFill>
+            <a:srgbClr val="F3F3F3"/>
+          </a:solidFill>
+          <a:ln>
+            <a:noFill/>
+          </a:ln>
+        </p:spPr>
+        <p:txBody>
+          <a:bodyPr anchorCtr="0" anchor="t" bIns="91425" lIns="91425" spcFirstLastPara="1" rIns="91425" wrap="square" tIns="91425">
+            <a:noAutofit/>
+          </a:bodyPr>
+          <a:lstStyle/>
+          <a:p>
+            <a:pPr indent="0" lvl="0" marL="0" rtl="0" algn="l">
+              <a:spcBef>
+                <a:spcPts val="0"/>
+              </a:spcBef>
+              <a:spcAft>
+                <a:spcPts val="0"/>
+              </a:spcAft>
+              <a:buNone/>
+            </a:pPr>
+            <a:r>
+              <a:rPr b="1" lang="en">
+                <a:latin typeface="Average"/>
+                <a:ea typeface="Average"/>
+                <a:cs typeface="Average"/>
+                <a:sym typeface="Average"/>
+              </a:rPr>
+              <a:t>Build the model</a:t>
+            </a:r>
+            <a:endParaRPr>
+              <a:latin typeface="Average"/>
+              <a:ea typeface="Average"/>
+              <a:cs typeface="Average"/>
+              <a:sym typeface="Average"/>
+            </a:endParaRPr>
+          </a:p>
+          <a:p>
+            <a:pPr indent="0" lvl="0" marL="0" rtl="0" algn="l">
+              <a:spcBef>
+                <a:spcPts val="0"/>
+              </a:spcBef>
+              <a:spcAft>
+                <a:spcPts val="0"/>
+              </a:spcAft>
+              <a:buNone/>
+            </a:pPr>
+            <a:r>
+              <a:rPr lang="en">
+                <a:latin typeface="Average"/>
+                <a:ea typeface="Average"/>
+                <a:cs typeface="Average"/>
+                <a:sym typeface="Average"/>
+              </a:rPr>
+              <a:t>Identify techniques to build the model for customer classification</a:t>
+            </a:r>
+            <a:endParaRPr>
+              <a:latin typeface="Average"/>
+              <a:ea typeface="Average"/>
+              <a:cs typeface="Average"/>
+              <a:sym typeface="Average"/>
+            </a:endParaRPr>
+          </a:p>
+        </p:txBody>
+      </p:sp>
+      <p:sp>
+        <p:nvSpPr>
+          <p:cNvPr id="129" name="Google Shape;129;p21"/>
+          <p:cNvSpPr txBox="1"/>
+          <p:nvPr/>
+        </p:nvSpPr>
+        <p:spPr>
+          <a:xfrm>
+            <a:off x="5596050" y="2383025"/>
+            <a:ext cx="3112500" cy="971400"/>
+          </a:xfrm>
+          <a:prstGeom prst="rect">
+            <a:avLst/>
+          </a:prstGeom>
+          <a:solidFill>
+            <a:srgbClr val="F3F3F3"/>
+          </a:solidFill>
+          <a:ln>
+            <a:noFill/>
+          </a:ln>
+        </p:spPr>
+        <p:txBody>
+          <a:bodyPr anchorCtr="0" anchor="t" bIns="91425" lIns="91425" spcFirstLastPara="1" rIns="91425" wrap="square" tIns="91425">
+            <a:noAutofit/>
+          </a:bodyPr>
+          <a:lstStyle/>
+          <a:p>
+            <a:pPr indent="0" lvl="0" marL="0" rtl="0" algn="l">
+              <a:spcBef>
+                <a:spcPts val="0"/>
+              </a:spcBef>
+              <a:spcAft>
+                <a:spcPts val="0"/>
+              </a:spcAft>
+              <a:buNone/>
+            </a:pPr>
+            <a:r>
+              <a:rPr b="1" lang="en">
+                <a:latin typeface="Average"/>
+                <a:ea typeface="Average"/>
+                <a:cs typeface="Average"/>
+                <a:sym typeface="Average"/>
+              </a:rPr>
+              <a:t>Evaluate and Critique the model(s)</a:t>
+            </a:r>
+            <a:endParaRPr>
+              <a:latin typeface="Average"/>
+              <a:ea typeface="Average"/>
+              <a:cs typeface="Average"/>
+              <a:sym typeface="Average"/>
+            </a:endParaRPr>
+          </a:p>
+          <a:p>
+            <a:pPr indent="0" lvl="0" marL="0" rtl="0" algn="l">
+              <a:spcBef>
+                <a:spcPts val="0"/>
+              </a:spcBef>
+              <a:spcAft>
+                <a:spcPts val="0"/>
+              </a:spcAft>
+              <a:buNone/>
+            </a:pPr>
+            <a:r>
+              <a:rPr lang="en">
+                <a:latin typeface="Average"/>
+                <a:ea typeface="Average"/>
+                <a:cs typeface="Average"/>
+                <a:sym typeface="Average"/>
+              </a:rPr>
+              <a:t>To find accuracy of the model to classify customers correctly based on historical data</a:t>
+            </a:r>
+            <a:endParaRPr>
+              <a:latin typeface="Average"/>
+              <a:ea typeface="Average"/>
+              <a:cs typeface="Average"/>
+              <a:sym typeface="Average"/>
+            </a:endParaRPr>
+          </a:p>
+        </p:txBody>
+      </p:sp>
+      <p:sp>
+        <p:nvSpPr>
+          <p:cNvPr id="130" name="Google Shape;130;p21"/>
+          <p:cNvSpPr txBox="1"/>
+          <p:nvPr/>
+        </p:nvSpPr>
+        <p:spPr>
+          <a:xfrm>
+            <a:off x="222875" y="3896250"/>
+            <a:ext cx="3486900" cy="971400"/>
+          </a:xfrm>
+          <a:prstGeom prst="rect">
+            <a:avLst/>
+          </a:prstGeom>
+          <a:solidFill>
+            <a:srgbClr val="F3F3F3"/>
+          </a:solidFill>
+          <a:ln>
+            <a:noFill/>
+          </a:ln>
+        </p:spPr>
+        <p:txBody>
+          <a:bodyPr anchorCtr="0" anchor="t" bIns="91425" lIns="91425" spcFirstLastPara="1" rIns="91425" wrap="square" tIns="91425">
+            <a:noAutofit/>
+          </a:bodyPr>
+          <a:lstStyle/>
+          <a:p>
+            <a:pPr indent="0" lvl="0" marL="0" rtl="0" algn="l">
+              <a:spcBef>
+                <a:spcPts val="0"/>
+              </a:spcBef>
+              <a:spcAft>
+                <a:spcPts val="0"/>
+              </a:spcAft>
+              <a:buNone/>
+            </a:pPr>
+            <a:r>
+              <a:rPr b="1" lang="en">
+                <a:latin typeface="Average"/>
+                <a:ea typeface="Average"/>
+                <a:cs typeface="Average"/>
+                <a:sym typeface="Average"/>
+              </a:rPr>
+              <a:t>Present results and document</a:t>
+            </a:r>
+            <a:r>
+              <a:rPr b="1" lang="en">
+                <a:latin typeface="Average"/>
+                <a:ea typeface="Average"/>
+                <a:cs typeface="Average"/>
+                <a:sym typeface="Average"/>
+              </a:rPr>
+              <a:t> </a:t>
+            </a:r>
+            <a:endParaRPr>
+              <a:latin typeface="Average"/>
+              <a:ea typeface="Average"/>
+              <a:cs typeface="Average"/>
+              <a:sym typeface="Average"/>
+            </a:endParaRPr>
+          </a:p>
+          <a:p>
+            <a:pPr indent="0" lvl="0" marL="0" rtl="0" algn="l">
+              <a:spcBef>
+                <a:spcPts val="0"/>
+              </a:spcBef>
+              <a:spcAft>
+                <a:spcPts val="0"/>
+              </a:spcAft>
+              <a:buNone/>
+            </a:pPr>
+            <a:r>
+              <a:rPr lang="en">
+                <a:latin typeface="Average"/>
+                <a:ea typeface="Average"/>
+                <a:cs typeface="Average"/>
+                <a:sym typeface="Average"/>
+              </a:rPr>
+              <a:t>The confidence of the model to classify customer defaulting based on various attributes</a:t>
+            </a:r>
+            <a:endParaRPr>
+              <a:latin typeface="Average"/>
+              <a:ea typeface="Average"/>
+              <a:cs typeface="Average"/>
+              <a:sym typeface="Average"/>
+            </a:endParaRPr>
+          </a:p>
+        </p:txBody>
+      </p:sp>
+      <p:sp>
+        <p:nvSpPr>
+          <p:cNvPr id="131" name="Google Shape;131;p21"/>
+          <p:cNvSpPr txBox="1"/>
+          <p:nvPr/>
+        </p:nvSpPr>
+        <p:spPr>
+          <a:xfrm>
+            <a:off x="4541900" y="3825450"/>
+            <a:ext cx="4041900" cy="1170000"/>
+          </a:xfrm>
+          <a:prstGeom prst="rect">
+            <a:avLst/>
+          </a:prstGeom>
+          <a:solidFill>
+            <a:srgbClr val="F3F3F3"/>
+          </a:solidFill>
+          <a:ln>
+            <a:noFill/>
+          </a:ln>
+        </p:spPr>
+        <p:txBody>
+          <a:bodyPr anchorCtr="0" anchor="t" bIns="91425" lIns="91425" spcFirstLastPara="1" rIns="91425" wrap="square" tIns="91425">
+            <a:noAutofit/>
+          </a:bodyPr>
+          <a:lstStyle/>
+          <a:p>
+            <a:pPr indent="0" lvl="0" marL="0" rtl="0" algn="l">
+              <a:spcBef>
+                <a:spcPts val="0"/>
+              </a:spcBef>
+              <a:spcAft>
+                <a:spcPts val="0"/>
+              </a:spcAft>
+              <a:buNone/>
+            </a:pPr>
+            <a:r>
+              <a:rPr b="1" lang="en">
+                <a:latin typeface="Average"/>
+                <a:ea typeface="Average"/>
+                <a:cs typeface="Average"/>
+                <a:sym typeface="Average"/>
+              </a:rPr>
+              <a:t>Model Maintenance</a:t>
+            </a:r>
+            <a:r>
+              <a:rPr b="1" lang="en">
+                <a:latin typeface="Average"/>
+                <a:ea typeface="Average"/>
+                <a:cs typeface="Average"/>
+                <a:sym typeface="Average"/>
+              </a:rPr>
+              <a:t> </a:t>
+            </a:r>
+            <a:endParaRPr>
+              <a:latin typeface="Average"/>
+              <a:ea typeface="Average"/>
+              <a:cs typeface="Average"/>
+              <a:sym typeface="Average"/>
+            </a:endParaRPr>
+          </a:p>
+          <a:p>
+            <a:pPr indent="0" lvl="0" marL="0" rtl="0" algn="l">
+              <a:spcBef>
+                <a:spcPts val="0"/>
+              </a:spcBef>
+              <a:spcAft>
+                <a:spcPts val="0"/>
+              </a:spcAft>
+              <a:buNone/>
+            </a:pPr>
+            <a:r>
+              <a:rPr lang="en">
+                <a:latin typeface="Average"/>
+                <a:ea typeface="Average"/>
+                <a:cs typeface="Average"/>
+                <a:sym typeface="Average"/>
+              </a:rPr>
+              <a:t>Identify attributes that are correlated to the defaulting classification. Any change in these attributes will potentially need model revision</a:t>
+            </a:r>
+            <a:endParaRPr>
+              <a:latin typeface="Average"/>
+              <a:ea typeface="Average"/>
+              <a:cs typeface="Average"/>
+              <a:sym typeface="Average"/>
+            </a:endParaRPr>
+          </a:p>
+        </p:txBody>
+      </p:sp>
+      <p:cxnSp>
+        <p:nvCxnSpPr>
+          <p:cNvPr id="132" name="Google Shape;132;p21"/>
+          <p:cNvCxnSpPr>
+            <a:stCxn id="126" idx="3"/>
+          </p:cNvCxnSpPr>
+          <p:nvPr/>
+        </p:nvCxnSpPr>
+        <p:spPr>
+          <a:xfrm flipH="1" rot="10800000">
+            <a:off x="2439275" y="1485375"/>
+            <a:ext cx="353100" cy="10200"/>
+          </a:xfrm>
+          <a:prstGeom prst="straightConnector1">
+            <a:avLst/>
+          </a:prstGeom>
+          <a:noFill/>
+          <a:ln cap="flat" cmpd="sng" w="9525">
+            <a:solidFill>
+              <a:schemeClr val="dk2"/>
+            </a:solidFill>
+            <a:prstDash val="solid"/>
+            <a:round/>
+            <a:headEnd len="med" w="med" type="none"/>
+            <a:tailEnd len="med" w="med" type="triangle"/>
+          </a:ln>
+        </p:spPr>
+      </p:cxnSp>
+      <p:cxnSp>
+        <p:nvCxnSpPr>
+          <p:cNvPr id="133" name="Google Shape;133;p21"/>
+          <p:cNvCxnSpPr>
+            <a:endCxn id="128" idx="1"/>
+          </p:cNvCxnSpPr>
+          <p:nvPr/>
+        </p:nvCxnSpPr>
+        <p:spPr>
+          <a:xfrm>
+            <a:off x="4867475" y="1529625"/>
+            <a:ext cx="329100" cy="81900"/>
+          </a:xfrm>
+          <a:prstGeom prst="straightConnector1">
+            <a:avLst/>
+          </a:prstGeom>
+          <a:noFill/>
+          <a:ln cap="flat" cmpd="sng" w="9525">
+            <a:solidFill>
+              <a:schemeClr val="dk2"/>
+            </a:solidFill>
+            <a:prstDash val="solid"/>
+            <a:round/>
+            <a:headEnd len="med" w="med" type="none"/>
+            <a:tailEnd len="med" w="med" type="triangle"/>
+          </a:ln>
+        </p:spPr>
+      </p:cxnSp>
+      <p:cxnSp>
+        <p:nvCxnSpPr>
+          <p:cNvPr id="134" name="Google Shape;134;p21"/>
+          <p:cNvCxnSpPr>
+            <a:stCxn id="128" idx="2"/>
+          </p:cNvCxnSpPr>
+          <p:nvPr/>
+        </p:nvCxnSpPr>
+        <p:spPr>
+          <a:xfrm>
+            <a:off x="6228575" y="2097225"/>
+            <a:ext cx="7800" cy="282300"/>
+          </a:xfrm>
+          <a:prstGeom prst="straightConnector1">
+            <a:avLst/>
+          </a:prstGeom>
+          <a:noFill/>
+          <a:ln cap="flat" cmpd="sng" w="9525">
+            <a:solidFill>
+              <a:schemeClr val="dk2"/>
+            </a:solidFill>
+            <a:prstDash val="solid"/>
+            <a:round/>
+            <a:headEnd len="med" w="med" type="none"/>
+            <a:tailEnd len="med" w="med" type="triangle"/>
+          </a:ln>
+        </p:spPr>
+      </p:cxnSp>
+      <p:cxnSp>
+        <p:nvCxnSpPr>
+          <p:cNvPr id="135" name="Google Shape;135;p21"/>
+          <p:cNvCxnSpPr>
+            <a:stCxn id="129" idx="2"/>
+            <a:endCxn id="130" idx="0"/>
+          </p:cNvCxnSpPr>
+          <p:nvPr/>
+        </p:nvCxnSpPr>
+        <p:spPr>
+          <a:xfrm rot="5400000">
+            <a:off x="4288350" y="1032275"/>
+            <a:ext cx="541800" cy="5186100"/>
+          </a:xfrm>
+          <a:prstGeom prst="curvedConnector3">
+            <a:avLst>
+              <a:gd fmla="val 50002" name="adj1"/>
+            </a:avLst>
+          </a:prstGeom>
+          <a:noFill/>
+          <a:ln cap="flat" cmpd="sng" w="9525">
+            <a:solidFill>
+              <a:schemeClr val="dk2"/>
+            </a:solidFill>
+            <a:prstDash val="solid"/>
+            <a:round/>
+            <a:headEnd len="med" w="med" type="none"/>
+            <a:tailEnd len="med" w="med" type="triangle"/>
+          </a:ln>
+        </p:spPr>
+      </p:cxnSp>
+      <p:cxnSp>
+        <p:nvCxnSpPr>
+          <p:cNvPr id="136" name="Google Shape;136;p21"/>
+          <p:cNvCxnSpPr>
+            <a:stCxn id="130" idx="3"/>
+            <a:endCxn id="131" idx="1"/>
+          </p:cNvCxnSpPr>
+          <p:nvPr/>
+        </p:nvCxnSpPr>
+        <p:spPr>
+          <a:xfrm>
+            <a:off x="3709775" y="4381950"/>
+            <a:ext cx="832200" cy="28500"/>
+          </a:xfrm>
+          <a:prstGeom prst="straightConnector1">
+            <a:avLst/>
+          </a:prstGeom>
+          <a:noFill/>
+          <a:ln cap="flat" cmpd="sng" w="9525">
+            <a:solidFill>
+              <a:schemeClr val="dk2"/>
+            </a:solidFill>
+            <a:prstDash val="solid"/>
+            <a:round/>
+            <a:headEnd len="med" w="med" type="none"/>
+            <a:tailEnd len="med" w="med" type="triangle"/>
+          </a:ln>
+        </p:spPr>
+      </p:cxnSp>
     </p:spTree>
   </p:cSld>
   <p:clrMapOvr>
@@ -8580,6 +9891,285 @@
 </file>
 
 <file path=ppt/theme/theme1.xml><?xml version="1.0" encoding="utf-8"?>
+<a:theme xmlns:a="http://schemas.openxmlformats.org/drawingml/2006/main" xmlns:r="http://schemas.openxmlformats.org/officeDocument/2006/relationships">
+  <a:themeElements>
+    <a:clrScheme name="Default">
+      <a:dk1>
+        <a:srgbClr val="000000"/>
+      </a:dk1>
+      <a:lt1>
+        <a:srgbClr val="FFFFFF"/>
+      </a:lt1>
+      <a:dk2>
+        <a:srgbClr val="158158"/>
+      </a:dk2>
+      <a:lt2>
+        <a:srgbClr val="F3F3F3"/>
+      </a:lt2>
+      <a:accent1>
+        <a:srgbClr val="058DC7"/>
+      </a:accent1>
+      <a:accent2>
+        <a:srgbClr val="50B432"/>
+      </a:accent2>
+      <a:accent3>
+        <a:srgbClr val="ED561B"/>
+      </a:accent3>
+      <a:accent4>
+        <a:srgbClr val="EDEF00"/>
+      </a:accent4>
+      <a:accent5>
+        <a:srgbClr val="24CBE5"/>
+      </a:accent5>
+      <a:accent6>
+        <a:srgbClr val="64E572"/>
+      </a:accent6>
+      <a:hlink>
+        <a:srgbClr val="2200CC"/>
+      </a:hlink>
+      <a:folHlink>
+        <a:srgbClr val="551A8B"/>
+      </a:folHlink>
+    </a:clrScheme>
+    <a:fontScheme name="Office">
+      <a:majorFont>
+        <a:latin typeface="Arial"/>
+        <a:ea typeface=""/>
+        <a:cs typeface=""/>
+        <a:font script="Jpan" typeface="ＭＳ Ｐゴシック"/>
+        <a:font script="Hang" typeface="맑은 고딕"/>
+        <a:font script="Hans" typeface="宋体"/>
+        <a:font script="Hant" typeface="新細明體"/>
+        <a:font script="Arab" typeface="Times New Roman"/>
+        <a:font script="Hebr" typeface="Times New Roman"/>
+        <a:font script="Thai" typeface="Angsana New"/>
+        <a:font script="Ethi" typeface="Nyala"/>
+        <a:font script="Beng" typeface="Vrinda"/>
+        <a:font script="Gujr" typeface="Shruti"/>
+        <a:font script="Khmr" typeface="MoolBoran"/>
+        <a:font script="Knda" typeface="Tunga"/>
+        <a:font script="Guru" typeface="Raavi"/>
+        <a:font script="Cans" typeface="Euphemia"/>
+        <a:font script="Cher" typeface="Plantagenet Cherokee"/>
+        <a:font script="Yiii" typeface="Microsoft Yi Baiti"/>
+        <a:font script="Tibt" typeface="Microsoft Himalaya"/>
+        <a:font script="Thaa" typeface="MV Boli"/>
+        <a:font script="Deva" typeface="Mangal"/>
+        <a:font script="Telu" typeface="Gautami"/>
+        <a:font script="Taml" typeface="Latha"/>
+        <a:font script="Syrc" typeface="Estrangelo Edessa"/>
+        <a:font script="Orya" typeface="Kalinga"/>
+        <a:font script="Mlym" typeface="Kartika"/>
+        <a:font script="Laoo" typeface="DokChampa"/>
+        <a:font script="Sinh" typeface="Iskoola Pota"/>
+        <a:font script="Mong" typeface="Mongolian Baiti"/>
+        <a:font script="Viet" typeface="Times New Roman"/>
+        <a:font script="Uigh" typeface="Microsoft Uighur"/>
+        <a:font script="Geor" typeface="Sylfaen"/>
+      </a:majorFont>
+      <a:minorFont>
+        <a:latin typeface="Arial"/>
+        <a:ea typeface=""/>
+        <a:cs typeface=""/>
+        <a:font script="Jpan" typeface="ＭＳ Ｐゴシック"/>
+        <a:font script="Hang" typeface="맑은 고딕"/>
+        <a:font script="Hans" typeface="宋体"/>
+        <a:font script="Hant" typeface="新細明體"/>
+        <a:font script="Arab" typeface="Arial"/>
+        <a:font script="Hebr" typeface="Arial"/>
+        <a:font script="Thai" typeface="Cordia New"/>
+        <a:font script="Ethi" typeface="Nyala"/>
+        <a:font script="Beng" typeface="Vrinda"/>
+        <a:font script="Gujr" typeface="Shruti"/>
+        <a:font script="Khmr" typeface="DaunPenh"/>
+        <a:font script="Knda" typeface="Tunga"/>
+        <a:font script="Guru" typeface="Raavi"/>
+        <a:font script="Cans" typeface="Euphemia"/>
+        <a:font script="Cher" typeface="Plantagenet Cherokee"/>
+        <a:font script="Yiii" typeface="Microsoft Yi Baiti"/>
+        <a:font script="Tibt" typeface="Microsoft Himalaya"/>
+        <a:font script="Thaa" typeface="MV Boli"/>
+        <a:font script="Deva" typeface="Mangal"/>
+        <a:font script="Telu" typeface="Gautami"/>
+        <a:font script="Taml" typeface="Latha"/>
+        <a:font script="Syrc" typeface="Estrangelo Edessa"/>
+        <a:font script="Orya" typeface="Kalinga"/>
+        <a:font script="Mlym" typeface="Kartika"/>
+        <a:font script="Laoo" typeface="DokChampa"/>
+        <a:font script="Sinh" typeface="Iskoola Pota"/>
+        <a:font script="Mong" typeface="Mongolian Baiti"/>
+        <a:font script="Viet" typeface="Arial"/>
+        <a:font script="Uigh" typeface="Microsoft Uighur"/>
+        <a:font script="Geor" typeface="Sylfaen"/>
+      </a:minorFont>
+    </a:fontScheme>
+    <a:fmtScheme name="Office">
+      <a:fillStyleLst>
+        <a:solidFill>
+          <a:schemeClr val="phClr"/>
+        </a:solidFill>
+        <a:gradFill rotWithShape="1">
+          <a:gsLst>
+            <a:gs pos="0">
+              <a:schemeClr val="phClr">
+                <a:tint val="50000"/>
+                <a:satMod val="300000"/>
+              </a:schemeClr>
+            </a:gs>
+            <a:gs pos="35000">
+              <a:schemeClr val="phClr">
+                <a:tint val="37000"/>
+                <a:satMod val="300000"/>
+              </a:schemeClr>
+            </a:gs>
+            <a:gs pos="100000">
+              <a:schemeClr val="phClr">
+                <a:tint val="15000"/>
+                <a:satMod val="350000"/>
+              </a:schemeClr>
+            </a:gs>
+          </a:gsLst>
+          <a:lin ang="16200000" scaled="1"/>
+        </a:gradFill>
+        <a:gradFill rotWithShape="1">
+          <a:gsLst>
+            <a:gs pos="0">
+              <a:schemeClr val="phClr">
+                <a:tint val="100000"/>
+                <a:shade val="100000"/>
+                <a:satMod val="130000"/>
+              </a:schemeClr>
+            </a:gs>
+            <a:gs pos="100000">
+              <a:schemeClr val="phClr">
+                <a:tint val="50000"/>
+                <a:shade val="100000"/>
+                <a:satMod val="350000"/>
+              </a:schemeClr>
+            </a:gs>
+          </a:gsLst>
+          <a:lin ang="16200000" scaled="0"/>
+        </a:gradFill>
+      </a:fillStyleLst>
+      <a:lnStyleLst>
+        <a:ln w="9525" cap="flat" cmpd="sng" algn="ctr">
+          <a:solidFill>
+            <a:schemeClr val="phClr">
+              <a:shade val="95000"/>
+              <a:satMod val="105000"/>
+            </a:schemeClr>
+          </a:solidFill>
+          <a:prstDash val="solid"/>
+        </a:ln>
+        <a:ln w="25400" cap="flat" cmpd="sng" algn="ctr">
+          <a:solidFill>
+            <a:schemeClr val="phClr"/>
+          </a:solidFill>
+          <a:prstDash val="solid"/>
+        </a:ln>
+        <a:ln w="38100" cap="flat" cmpd="sng" algn="ctr">
+          <a:solidFill>
+            <a:schemeClr val="phClr"/>
+          </a:solidFill>
+          <a:prstDash val="solid"/>
+        </a:ln>
+      </a:lnStyleLst>
+      <a:effectStyleLst>
+        <a:effectStyle>
+          <a:effectLst>
+            <a:outerShdw blurRad="40000" dist="20000" dir="5400000" rotWithShape="0">
+              <a:srgbClr val="000000">
+                <a:alpha val="38000"/>
+              </a:srgbClr>
+            </a:outerShdw>
+          </a:effectLst>
+        </a:effectStyle>
+        <a:effectStyle>
+          <a:effectLst>
+            <a:outerShdw blurRad="40000" dist="23000" dir="5400000" rotWithShape="0">
+              <a:srgbClr val="000000">
+                <a:alpha val="35000"/>
+              </a:srgbClr>
+            </a:outerShdw>
+          </a:effectLst>
+        </a:effectStyle>
+        <a:effectStyle>
+          <a:effectLst>
+            <a:outerShdw blurRad="40000" dist="23000" dir="5400000" rotWithShape="0">
+              <a:srgbClr val="000000">
+                <a:alpha val="35000"/>
+              </a:srgbClr>
+            </a:outerShdw>
+          </a:effectLst>
+          <a:scene3d>
+            <a:camera prst="orthographicFront">
+              <a:rot lat="0" lon="0" rev="0"/>
+            </a:camera>
+            <a:lightRig rig="threePt" dir="t">
+              <a:rot lat="0" lon="0" rev="1200000"/>
+            </a:lightRig>
+          </a:scene3d>
+          <a:sp3d>
+            <a:bevelT w="63500" h="25400"/>
+          </a:sp3d>
+        </a:effectStyle>
+      </a:effectStyleLst>
+      <a:bgFillStyleLst>
+        <a:solidFill>
+          <a:schemeClr val="phClr"/>
+        </a:solidFill>
+        <a:gradFill rotWithShape="1">
+          <a:gsLst>
+            <a:gs pos="0">
+              <a:schemeClr val="phClr">
+                <a:tint val="40000"/>
+                <a:satMod val="350000"/>
+              </a:schemeClr>
+            </a:gs>
+            <a:gs pos="40000">
+              <a:schemeClr val="phClr">
+                <a:tint val="45000"/>
+                <a:shade val="99000"/>
+                <a:satMod val="350000"/>
+              </a:schemeClr>
+            </a:gs>
+            <a:gs pos="100000">
+              <a:schemeClr val="phClr">
+                <a:shade val="20000"/>
+                <a:satMod val="255000"/>
+              </a:schemeClr>
+            </a:gs>
+          </a:gsLst>
+          <a:path path="circle">
+            <a:fillToRect l="50000" t="-80000" r="50000" b="180000"/>
+          </a:path>
+        </a:gradFill>
+        <a:gradFill rotWithShape="1">
+          <a:gsLst>
+            <a:gs pos="0">
+              <a:schemeClr val="phClr">
+                <a:tint val="80000"/>
+                <a:satMod val="300000"/>
+              </a:schemeClr>
+            </a:gs>
+            <a:gs pos="100000">
+              <a:schemeClr val="phClr">
+                <a:shade val="30000"/>
+                <a:satMod val="200000"/>
+              </a:schemeClr>
+            </a:gs>
+          </a:gsLst>
+          <a:path path="circle">
+            <a:fillToRect l="50000" t="50000" r="50000" b="50000"/>
+          </a:path>
+        </a:gradFill>
+      </a:bgFillStyleLst>
+    </a:fmtScheme>
+  </a:themeElements>
+</a:theme>
+</file>
+
+<file path=ppt/theme/theme2.xml><?xml version="1.0" encoding="utf-8"?>
 <a:theme xmlns:a="http://schemas.openxmlformats.org/drawingml/2006/main" xmlns:r="http://schemas.openxmlformats.org/officeDocument/2006/relationships" name="Slate">
   <a:themeElements>
     <a:clrScheme name="Slate">
@@ -8856,283 +10446,4 @@
     </a:fmtScheme>
   </a:themeElements>
 </a:theme>
-</file>
-
-<file path=ppt/theme/theme2.xml><?xml version="1.0" encoding="utf-8"?>
-<a:theme xmlns:a="http://schemas.openxmlformats.org/drawingml/2006/main" xmlns:r="http://schemas.openxmlformats.org/officeDocument/2006/relationships">
-  <a:themeElements>
-    <a:clrScheme name="Default">
-      <a:dk1>
-        <a:srgbClr val="000000"/>
-      </a:dk1>
-      <a:lt1>
-        <a:srgbClr val="FFFFFF"/>
-      </a:lt1>
-      <a:dk2>
-        <a:srgbClr val="158158"/>
-      </a:dk2>
-      <a:lt2>
-        <a:srgbClr val="F3F3F3"/>
-      </a:lt2>
-      <a:accent1>
-        <a:srgbClr val="058DC7"/>
-      </a:accent1>
-      <a:accent2>
-        <a:srgbClr val="50B432"/>
-      </a:accent2>
-      <a:accent3>
-        <a:srgbClr val="ED561B"/>
-      </a:accent3>
-      <a:accent4>
-        <a:srgbClr val="EDEF00"/>
-      </a:accent4>
-      <a:accent5>
-        <a:srgbClr val="24CBE5"/>
-      </a:accent5>
-      <a:accent6>
-        <a:srgbClr val="64E572"/>
-      </a:accent6>
-      <a:hlink>
-        <a:srgbClr val="2200CC"/>
-      </a:hlink>
-      <a:folHlink>
-        <a:srgbClr val="551A8B"/>
-      </a:folHlink>
-    </a:clrScheme>
-    <a:fontScheme name="Office">
-      <a:majorFont>
-        <a:latin typeface="Arial"/>
-        <a:ea typeface=""/>
-        <a:cs typeface=""/>
-        <a:font script="Jpan" typeface="ＭＳ Ｐゴシック"/>
-        <a:font script="Hang" typeface="맑은 고딕"/>
-        <a:font script="Hans" typeface="宋体"/>
-        <a:font script="Hant" typeface="新細明體"/>
-        <a:font script="Arab" typeface="Times New Roman"/>
-        <a:font script="Hebr" typeface="Times New Roman"/>
-        <a:font script="Thai" typeface="Angsana New"/>
-        <a:font script="Ethi" typeface="Nyala"/>
-        <a:font script="Beng" typeface="Vrinda"/>
-        <a:font script="Gujr" typeface="Shruti"/>
-        <a:font script="Khmr" typeface="MoolBoran"/>
-        <a:font script="Knda" typeface="Tunga"/>
-        <a:font script="Guru" typeface="Raavi"/>
-        <a:font script="Cans" typeface="Euphemia"/>
-        <a:font script="Cher" typeface="Plantagenet Cherokee"/>
-        <a:font script="Yiii" typeface="Microsoft Yi Baiti"/>
-        <a:font script="Tibt" typeface="Microsoft Himalaya"/>
-        <a:font script="Thaa" typeface="MV Boli"/>
-        <a:font script="Deva" typeface="Mangal"/>
-        <a:font script="Telu" typeface="Gautami"/>
-        <a:font script="Taml" typeface="Latha"/>
-        <a:font script="Syrc" typeface="Estrangelo Edessa"/>
-        <a:font script="Orya" typeface="Kalinga"/>
-        <a:font script="Mlym" typeface="Kartika"/>
-        <a:font script="Laoo" typeface="DokChampa"/>
-        <a:font script="Sinh" typeface="Iskoola Pota"/>
-        <a:font script="Mong" typeface="Mongolian Baiti"/>
-        <a:font script="Viet" typeface="Times New Roman"/>
-        <a:font script="Uigh" typeface="Microsoft Uighur"/>
-        <a:font script="Geor" typeface="Sylfaen"/>
-      </a:majorFont>
-      <a:minorFont>
-        <a:latin typeface="Arial"/>
-        <a:ea typeface=""/>
-        <a:cs typeface=""/>
-        <a:font script="Jpan" typeface="ＭＳ Ｐゴシック"/>
-        <a:font script="Hang" typeface="맑은 고딕"/>
-        <a:font script="Hans" typeface="宋体"/>
-        <a:font script="Hant" typeface="新細明體"/>
-        <a:font script="Arab" typeface="Arial"/>
-        <a:font script="Hebr" typeface="Arial"/>
-        <a:font script="Thai" typeface="Cordia New"/>
-        <a:font script="Ethi" typeface="Nyala"/>
-        <a:font script="Beng" typeface="Vrinda"/>
-        <a:font script="Gujr" typeface="Shruti"/>
-        <a:font script="Khmr" typeface="DaunPenh"/>
-        <a:font script="Knda" typeface="Tunga"/>
-        <a:font script="Guru" typeface="Raavi"/>
-        <a:font script="Cans" typeface="Euphemia"/>
-        <a:font script="Cher" typeface="Plantagenet Cherokee"/>
-        <a:font script="Yiii" typeface="Microsoft Yi Baiti"/>
-        <a:font script="Tibt" typeface="Microsoft Himalaya"/>
-        <a:font script="Thaa" typeface="MV Boli"/>
-        <a:font script="Deva" typeface="Mangal"/>
-        <a:font script="Telu" typeface="Gautami"/>
-        <a:font script="Taml" typeface="Latha"/>
-        <a:font script="Syrc" typeface="Estrangelo Edessa"/>
-        <a:font script="Orya" typeface="Kalinga"/>
-        <a:font script="Mlym" typeface="Kartika"/>
-        <a:font script="Laoo" typeface="DokChampa"/>
-        <a:font script="Sinh" typeface="Iskoola Pota"/>
-        <a:font script="Mong" typeface="Mongolian Baiti"/>
-        <a:font script="Viet" typeface="Arial"/>
-        <a:font script="Uigh" typeface="Microsoft Uighur"/>
-        <a:font script="Geor" typeface="Sylfaen"/>
-      </a:minorFont>
-    </a:fontScheme>
-    <a:fmtScheme name="Office">
-      <a:fillStyleLst>
-        <a:solidFill>
-          <a:schemeClr val="phClr"/>
-        </a:solidFill>
-        <a:gradFill rotWithShape="1">
-          <a:gsLst>
-            <a:gs pos="0">
-              <a:schemeClr val="phClr">
-                <a:tint val="50000"/>
-                <a:satMod val="300000"/>
-              </a:schemeClr>
-            </a:gs>
-            <a:gs pos="35000">
-              <a:schemeClr val="phClr">
-                <a:tint val="37000"/>
-                <a:satMod val="300000"/>
-              </a:schemeClr>
-            </a:gs>
-            <a:gs pos="100000">
-              <a:schemeClr val="phClr">
-                <a:tint val="15000"/>
-                <a:satMod val="350000"/>
-              </a:schemeClr>
-            </a:gs>
-          </a:gsLst>
-          <a:lin ang="16200000" scaled="1"/>
-        </a:gradFill>
-        <a:gradFill rotWithShape="1">
-          <a:gsLst>
-            <a:gs pos="0">
-              <a:schemeClr val="phClr">
-                <a:tint val="100000"/>
-                <a:shade val="100000"/>
-                <a:satMod val="130000"/>
-              </a:schemeClr>
-            </a:gs>
-            <a:gs pos="100000">
-              <a:schemeClr val="phClr">
-                <a:tint val="50000"/>
-                <a:shade val="100000"/>
-                <a:satMod val="350000"/>
-              </a:schemeClr>
-            </a:gs>
-          </a:gsLst>
-          <a:lin ang="16200000" scaled="0"/>
-        </a:gradFill>
-      </a:fillStyleLst>
-      <a:lnStyleLst>
-        <a:ln w="9525" cap="flat" cmpd="sng" algn="ctr">
-          <a:solidFill>
-            <a:schemeClr val="phClr">
-              <a:shade val="95000"/>
-              <a:satMod val="105000"/>
-            </a:schemeClr>
-          </a:solidFill>
-          <a:prstDash val="solid"/>
-        </a:ln>
-        <a:ln w="25400" cap="flat" cmpd="sng" algn="ctr">
-          <a:solidFill>
-            <a:schemeClr val="phClr"/>
-          </a:solidFill>
-          <a:prstDash val="solid"/>
-        </a:ln>
-        <a:ln w="38100" cap="flat" cmpd="sng" algn="ctr">
-          <a:solidFill>
-            <a:schemeClr val="phClr"/>
-          </a:solidFill>
-          <a:prstDash val="solid"/>
-        </a:ln>
-      </a:lnStyleLst>
-      <a:effectStyleLst>
-        <a:effectStyle>
-          <a:effectLst>
-            <a:outerShdw blurRad="40000" dist="20000" dir="5400000" rotWithShape="0">
-              <a:srgbClr val="000000">
-                <a:alpha val="38000"/>
-              </a:srgbClr>
-            </a:outerShdw>
-          </a:effectLst>
-        </a:effectStyle>
-        <a:effectStyle>
-          <a:effectLst>
-            <a:outerShdw blurRad="40000" dist="23000" dir="5400000" rotWithShape="0">
-              <a:srgbClr val="000000">
-                <a:alpha val="35000"/>
-              </a:srgbClr>
-            </a:outerShdw>
-          </a:effectLst>
-        </a:effectStyle>
-        <a:effectStyle>
-          <a:effectLst>
-            <a:outerShdw blurRad="40000" dist="23000" dir="5400000" rotWithShape="0">
-              <a:srgbClr val="000000">
-                <a:alpha val="35000"/>
-              </a:srgbClr>
-            </a:outerShdw>
-          </a:effectLst>
-          <a:scene3d>
-            <a:camera prst="orthographicFront">
-              <a:rot lat="0" lon="0" rev="0"/>
-            </a:camera>
-            <a:lightRig rig="threePt" dir="t">
-              <a:rot lat="0" lon="0" rev="1200000"/>
-            </a:lightRig>
-          </a:scene3d>
-          <a:sp3d>
-            <a:bevelT w="63500" h="25400"/>
-          </a:sp3d>
-        </a:effectStyle>
-      </a:effectStyleLst>
-      <a:bgFillStyleLst>
-        <a:solidFill>
-          <a:schemeClr val="phClr"/>
-        </a:solidFill>
-        <a:gradFill rotWithShape="1">
-          <a:gsLst>
-            <a:gs pos="0">
-              <a:schemeClr val="phClr">
-                <a:tint val="40000"/>
-                <a:satMod val="350000"/>
-              </a:schemeClr>
-            </a:gs>
-            <a:gs pos="40000">
-              <a:schemeClr val="phClr">
-                <a:tint val="45000"/>
-                <a:shade val="99000"/>
-                <a:satMod val="350000"/>
-              </a:schemeClr>
-            </a:gs>
-            <a:gs pos="100000">
-              <a:schemeClr val="phClr">
-                <a:shade val="20000"/>
-                <a:satMod val="255000"/>
-              </a:schemeClr>
-            </a:gs>
-          </a:gsLst>
-          <a:path path="circle">
-            <a:fillToRect l="50000" t="-80000" r="50000" b="180000"/>
-          </a:path>
-        </a:gradFill>
-        <a:gradFill rotWithShape="1">
-          <a:gsLst>
-            <a:gs pos="0">
-              <a:schemeClr val="phClr">
-                <a:tint val="80000"/>
-                <a:satMod val="300000"/>
-              </a:schemeClr>
-            </a:gs>
-            <a:gs pos="100000">
-              <a:schemeClr val="phClr">
-                <a:shade val="30000"/>
-                <a:satMod val="200000"/>
-              </a:schemeClr>
-            </a:gs>
-          </a:gsLst>
-          <a:path path="circle">
-            <a:fillToRect l="50000" t="50000" r="50000" b="50000"/>
-          </a:path>
-        </a:gradFill>
-      </a:bgFillStyleLst>
-    </a:fmtScheme>
-  </a:themeElements>
-</a:theme>
 </file>